--- a/AI/动作生成/创新点探究/动作生成Motivation - 522.pptx
+++ b/AI/动作生成/创新点探究/动作生成Motivation - 522.pptx
@@ -5,7 +5,7 @@
     <p:sldMasterId id="2147483648" r:id="rId1"/>
   </p:sldMasterIdLst>
   <p:notesMasterIdLst>
-    <p:notesMasterId r:id="rId13"/>
+    <p:notesMasterId r:id="rId15"/>
   </p:notesMasterIdLst>
   <p:sldIdLst>
     <p:sldId id="261" r:id="rId2"/>
@@ -15,10 +15,12 @@
     <p:sldId id="266" r:id="rId6"/>
     <p:sldId id="267" r:id="rId7"/>
     <p:sldId id="258" r:id="rId8"/>
-    <p:sldId id="263" r:id="rId9"/>
-    <p:sldId id="259" r:id="rId10"/>
-    <p:sldId id="264" r:id="rId11"/>
-    <p:sldId id="268" r:id="rId12"/>
+    <p:sldId id="269" r:id="rId9"/>
+    <p:sldId id="270" r:id="rId10"/>
+    <p:sldId id="263" r:id="rId11"/>
+    <p:sldId id="259" r:id="rId12"/>
+    <p:sldId id="264" r:id="rId13"/>
+    <p:sldId id="268" r:id="rId14"/>
   </p:sldIdLst>
   <p:sldSz cx="12192000" cy="6858000"/>
   <p:notesSz cx="6858000" cy="9144000"/>
@@ -207,7 +209,7 @@
           <a:p>
             <a:fld id="{AAAB1494-03FF-40F9-B053-488FEE4C592E}" type="datetimeFigureOut">
               <a:rPr lang="zh-CN" altLang="en-US" smtClean="0"/>
-              <a:t>2025/5/23</a:t>
+              <a:t>2025/5/26</a:t>
             </a:fld>
             <a:endParaRPr lang="zh-CN" altLang="en-US"/>
           </a:p>
@@ -537,7 +539,7 @@
           <a:bodyPr/>
           <a:lstStyle/>
           <a:p>
-            <a:fld id="{BB11EB8B-2406-48C9-B9DF-2C943558158F}" type="slidenum">
+            <a:fld id="{DD7DA29E-3FEC-4C6F-8EE0-90AC084E35E6}" type="slidenum">
               <a:rPr lang="zh-CN" altLang="en-US" smtClean="0"/>
               <a:t>8</a:t>
             </a:fld>
@@ -548,7 +550,7 @@
     </p:spTree>
     <p:extLst>
       <p:ext uri="{BB962C8B-B14F-4D97-AF65-F5344CB8AC3E}">
-        <p14:creationId xmlns:p14="http://schemas.microsoft.com/office/powerpoint/2010/main" val="1920986116"/>
+        <p14:creationId xmlns:p14="http://schemas.microsoft.com/office/powerpoint/2010/main" val="495873508"/>
       </p:ext>
     </p:extLst>
   </p:cSld>
@@ -602,10 +604,7 @@
           <a:bodyPr/>
           <a:lstStyle/>
           <a:p>
-            <a:r>
-              <a:rPr lang="en-US" altLang="zh-CN" dirty="0"/>
-              <a:t>https://www.bilibili.com/video/BV1zGxReCERP/?spm_id_from=333.337.search-card.all.click</a:t>
-            </a:r>
+            <a:endParaRPr lang="zh-CN" altLang="en-US" dirty="0"/>
           </a:p>
         </p:txBody>
       </p:sp>
@@ -624,7 +623,7 @@
           <a:bodyPr/>
           <a:lstStyle/>
           <a:p>
-            <a:fld id="{BB11EB8B-2406-48C9-B9DF-2C943558158F}" type="slidenum">
+            <a:fld id="{DD7DA29E-3FEC-4C6F-8EE0-90AC084E35E6}" type="slidenum">
               <a:rPr lang="zh-CN" altLang="en-US" smtClean="0"/>
               <a:t>9</a:t>
             </a:fld>
@@ -635,7 +634,7 @@
     </p:spTree>
     <p:extLst>
       <p:ext uri="{BB962C8B-B14F-4D97-AF65-F5344CB8AC3E}">
-        <p14:creationId xmlns:p14="http://schemas.microsoft.com/office/powerpoint/2010/main" val="3953690285"/>
+        <p14:creationId xmlns:p14="http://schemas.microsoft.com/office/powerpoint/2010/main" val="2407485587"/>
       </p:ext>
     </p:extLst>
   </p:cSld>
@@ -689,10 +688,7 @@
           <a:bodyPr/>
           <a:lstStyle/>
           <a:p>
-            <a:r>
-              <a:rPr lang="en-US" altLang="zh-CN" dirty="0"/>
-              <a:t>https://www.bilibili.com/video/BV1zGxReCERP/?spm_id_from=333.337.search-card.all.click</a:t>
-            </a:r>
+            <a:endParaRPr lang="zh-CN" altLang="en-US" dirty="0"/>
           </a:p>
         </p:txBody>
       </p:sp>
@@ -714,6 +710,180 @@
             <a:fld id="{BB11EB8B-2406-48C9-B9DF-2C943558158F}" type="slidenum">
               <a:rPr lang="zh-CN" altLang="en-US" smtClean="0"/>
               <a:t>10</a:t>
+            </a:fld>
+            <a:endParaRPr lang="zh-CN" altLang="en-US"/>
+          </a:p>
+        </p:txBody>
+      </p:sp>
+    </p:spTree>
+    <p:extLst>
+      <p:ext uri="{BB962C8B-B14F-4D97-AF65-F5344CB8AC3E}">
+        <p14:creationId xmlns:p14="http://schemas.microsoft.com/office/powerpoint/2010/main" val="1920986116"/>
+      </p:ext>
+    </p:extLst>
+  </p:cSld>
+  <p:clrMapOvr>
+    <a:masterClrMapping/>
+  </p:clrMapOvr>
+</p:notes>
+</file>
+
+<file path=ppt/notesSlides/notesSlide4.xml><?xml version="1.0" encoding="utf-8"?>
+<p:notes xmlns:a="http://schemas.openxmlformats.org/drawingml/2006/main" xmlns:r="http://schemas.openxmlformats.org/officeDocument/2006/relationships" xmlns:p="http://schemas.openxmlformats.org/presentationml/2006/main">
+  <p:cSld>
+    <p:spTree>
+      <p:nvGrpSpPr>
+        <p:cNvPr id="1" name=""/>
+        <p:cNvGrpSpPr/>
+        <p:nvPr/>
+      </p:nvGrpSpPr>
+      <p:grpSpPr>
+        <a:xfrm>
+          <a:off x="0" y="0"/>
+          <a:ext cx="0" cy="0"/>
+          <a:chOff x="0" y="0"/>
+          <a:chExt cx="0" cy="0"/>
+        </a:xfrm>
+      </p:grpSpPr>
+      <p:sp>
+        <p:nvSpPr>
+          <p:cNvPr id="2" name="幻灯片图像占位符 1"/>
+          <p:cNvSpPr>
+            <a:spLocks noGrp="1" noRot="1" noChangeAspect="1"/>
+          </p:cNvSpPr>
+          <p:nvPr>
+            <p:ph type="sldImg"/>
+          </p:nvPr>
+        </p:nvSpPr>
+        <p:spPr/>
+      </p:sp>
+      <p:sp>
+        <p:nvSpPr>
+          <p:cNvPr id="3" name="备注占位符 2"/>
+          <p:cNvSpPr>
+            <a:spLocks noGrp="1"/>
+          </p:cNvSpPr>
+          <p:nvPr>
+            <p:ph type="body" idx="1"/>
+          </p:nvPr>
+        </p:nvSpPr>
+        <p:spPr/>
+        <p:txBody>
+          <a:bodyPr/>
+          <a:lstStyle/>
+          <a:p>
+            <a:r>
+              <a:rPr lang="en-US" altLang="zh-CN" dirty="0"/>
+              <a:t>https://www.bilibili.com/video/BV1zGxReCERP/?spm_id_from=333.337.search-card.all.click</a:t>
+            </a:r>
+          </a:p>
+        </p:txBody>
+      </p:sp>
+      <p:sp>
+        <p:nvSpPr>
+          <p:cNvPr id="4" name="灯片编号占位符 3"/>
+          <p:cNvSpPr>
+            <a:spLocks noGrp="1"/>
+          </p:cNvSpPr>
+          <p:nvPr>
+            <p:ph type="sldNum" sz="quarter" idx="5"/>
+          </p:nvPr>
+        </p:nvSpPr>
+        <p:spPr/>
+        <p:txBody>
+          <a:bodyPr/>
+          <a:lstStyle/>
+          <a:p>
+            <a:fld id="{BB11EB8B-2406-48C9-B9DF-2C943558158F}" type="slidenum">
+              <a:rPr lang="zh-CN" altLang="en-US" smtClean="0"/>
+              <a:t>11</a:t>
+            </a:fld>
+            <a:endParaRPr lang="zh-CN" altLang="en-US"/>
+          </a:p>
+        </p:txBody>
+      </p:sp>
+    </p:spTree>
+    <p:extLst>
+      <p:ext uri="{BB962C8B-B14F-4D97-AF65-F5344CB8AC3E}">
+        <p14:creationId xmlns:p14="http://schemas.microsoft.com/office/powerpoint/2010/main" val="3953690285"/>
+      </p:ext>
+    </p:extLst>
+  </p:cSld>
+  <p:clrMapOvr>
+    <a:masterClrMapping/>
+  </p:clrMapOvr>
+</p:notes>
+</file>
+
+<file path=ppt/notesSlides/notesSlide5.xml><?xml version="1.0" encoding="utf-8"?>
+<p:notes xmlns:a="http://schemas.openxmlformats.org/drawingml/2006/main" xmlns:r="http://schemas.openxmlformats.org/officeDocument/2006/relationships" xmlns:p="http://schemas.openxmlformats.org/presentationml/2006/main">
+  <p:cSld>
+    <p:spTree>
+      <p:nvGrpSpPr>
+        <p:cNvPr id="1" name=""/>
+        <p:cNvGrpSpPr/>
+        <p:nvPr/>
+      </p:nvGrpSpPr>
+      <p:grpSpPr>
+        <a:xfrm>
+          <a:off x="0" y="0"/>
+          <a:ext cx="0" cy="0"/>
+          <a:chOff x="0" y="0"/>
+          <a:chExt cx="0" cy="0"/>
+        </a:xfrm>
+      </p:grpSpPr>
+      <p:sp>
+        <p:nvSpPr>
+          <p:cNvPr id="2" name="幻灯片图像占位符 1"/>
+          <p:cNvSpPr>
+            <a:spLocks noGrp="1" noRot="1" noChangeAspect="1"/>
+          </p:cNvSpPr>
+          <p:nvPr>
+            <p:ph type="sldImg"/>
+          </p:nvPr>
+        </p:nvSpPr>
+        <p:spPr/>
+      </p:sp>
+      <p:sp>
+        <p:nvSpPr>
+          <p:cNvPr id="3" name="备注占位符 2"/>
+          <p:cNvSpPr>
+            <a:spLocks noGrp="1"/>
+          </p:cNvSpPr>
+          <p:nvPr>
+            <p:ph type="body" idx="1"/>
+          </p:nvPr>
+        </p:nvSpPr>
+        <p:spPr/>
+        <p:txBody>
+          <a:bodyPr/>
+          <a:lstStyle/>
+          <a:p>
+            <a:r>
+              <a:rPr lang="en-US" altLang="zh-CN" dirty="0"/>
+              <a:t>https://www.bilibili.com/video/BV1zGxReCERP/?spm_id_from=333.337.search-card.all.click</a:t>
+            </a:r>
+          </a:p>
+        </p:txBody>
+      </p:sp>
+      <p:sp>
+        <p:nvSpPr>
+          <p:cNvPr id="4" name="灯片编号占位符 3"/>
+          <p:cNvSpPr>
+            <a:spLocks noGrp="1"/>
+          </p:cNvSpPr>
+          <p:nvPr>
+            <p:ph type="sldNum" sz="quarter" idx="5"/>
+          </p:nvPr>
+        </p:nvSpPr>
+        <p:spPr/>
+        <p:txBody>
+          <a:bodyPr/>
+          <a:lstStyle/>
+          <a:p>
+            <a:fld id="{BB11EB8B-2406-48C9-B9DF-2C943558158F}" type="slidenum">
+              <a:rPr lang="zh-CN" altLang="en-US" smtClean="0"/>
+              <a:t>12</a:t>
             </a:fld>
             <a:endParaRPr lang="zh-CN" altLang="en-US"/>
           </a:p>
@@ -879,7 +1049,7 @@
           <a:p>
             <a:fld id="{141F205C-E85D-4B8F-9304-59A1D411154E}" type="datetimeFigureOut">
               <a:rPr lang="zh-CN" altLang="en-US" smtClean="0"/>
-              <a:t>2025/5/23</a:t>
+              <a:t>2025/5/26</a:t>
             </a:fld>
             <a:endParaRPr lang="zh-CN" altLang="en-US"/>
           </a:p>
@@ -1077,7 +1247,7 @@
           <a:p>
             <a:fld id="{141F205C-E85D-4B8F-9304-59A1D411154E}" type="datetimeFigureOut">
               <a:rPr lang="zh-CN" altLang="en-US" smtClean="0"/>
-              <a:t>2025/5/23</a:t>
+              <a:t>2025/5/26</a:t>
             </a:fld>
             <a:endParaRPr lang="zh-CN" altLang="en-US"/>
           </a:p>
@@ -1285,7 +1455,7 @@
           <a:p>
             <a:fld id="{141F205C-E85D-4B8F-9304-59A1D411154E}" type="datetimeFigureOut">
               <a:rPr lang="zh-CN" altLang="en-US" smtClean="0"/>
-              <a:t>2025/5/23</a:t>
+              <a:t>2025/5/26</a:t>
             </a:fld>
             <a:endParaRPr lang="zh-CN" altLang="en-US"/>
           </a:p>
@@ -1483,7 +1653,7 @@
           <a:p>
             <a:fld id="{141F205C-E85D-4B8F-9304-59A1D411154E}" type="datetimeFigureOut">
               <a:rPr lang="zh-CN" altLang="en-US" smtClean="0"/>
-              <a:t>2025/5/23</a:t>
+              <a:t>2025/5/26</a:t>
             </a:fld>
             <a:endParaRPr lang="zh-CN" altLang="en-US"/>
           </a:p>
@@ -1758,7 +1928,7 @@
           <a:p>
             <a:fld id="{141F205C-E85D-4B8F-9304-59A1D411154E}" type="datetimeFigureOut">
               <a:rPr lang="zh-CN" altLang="en-US" smtClean="0"/>
-              <a:t>2025/5/23</a:t>
+              <a:t>2025/5/26</a:t>
             </a:fld>
             <a:endParaRPr lang="zh-CN" altLang="en-US"/>
           </a:p>
@@ -2023,7 +2193,7 @@
           <a:p>
             <a:fld id="{141F205C-E85D-4B8F-9304-59A1D411154E}" type="datetimeFigureOut">
               <a:rPr lang="zh-CN" altLang="en-US" smtClean="0"/>
-              <a:t>2025/5/23</a:t>
+              <a:t>2025/5/26</a:t>
             </a:fld>
             <a:endParaRPr lang="zh-CN" altLang="en-US"/>
           </a:p>
@@ -2435,7 +2605,7 @@
           <a:p>
             <a:fld id="{141F205C-E85D-4B8F-9304-59A1D411154E}" type="datetimeFigureOut">
               <a:rPr lang="zh-CN" altLang="en-US" smtClean="0"/>
-              <a:t>2025/5/23</a:t>
+              <a:t>2025/5/26</a:t>
             </a:fld>
             <a:endParaRPr lang="zh-CN" altLang="en-US"/>
           </a:p>
@@ -2576,7 +2746,7 @@
           <a:p>
             <a:fld id="{141F205C-E85D-4B8F-9304-59A1D411154E}" type="datetimeFigureOut">
               <a:rPr lang="zh-CN" altLang="en-US" smtClean="0"/>
-              <a:t>2025/5/23</a:t>
+              <a:t>2025/5/26</a:t>
             </a:fld>
             <a:endParaRPr lang="zh-CN" altLang="en-US"/>
           </a:p>
@@ -2689,7 +2859,7 @@
           <a:p>
             <a:fld id="{141F205C-E85D-4B8F-9304-59A1D411154E}" type="datetimeFigureOut">
               <a:rPr lang="zh-CN" altLang="en-US" smtClean="0"/>
-              <a:t>2025/5/23</a:t>
+              <a:t>2025/5/26</a:t>
             </a:fld>
             <a:endParaRPr lang="zh-CN" altLang="en-US"/>
           </a:p>
@@ -3000,7 +3170,7 @@
           <a:p>
             <a:fld id="{141F205C-E85D-4B8F-9304-59A1D411154E}" type="datetimeFigureOut">
               <a:rPr lang="zh-CN" altLang="en-US" smtClean="0"/>
-              <a:t>2025/5/23</a:t>
+              <a:t>2025/5/26</a:t>
             </a:fld>
             <a:endParaRPr lang="zh-CN" altLang="en-US"/>
           </a:p>
@@ -3288,7 +3458,7 @@
           <a:p>
             <a:fld id="{141F205C-E85D-4B8F-9304-59A1D411154E}" type="datetimeFigureOut">
               <a:rPr lang="zh-CN" altLang="en-US" smtClean="0"/>
-              <a:t>2025/5/23</a:t>
+              <a:t>2025/5/26</a:t>
             </a:fld>
             <a:endParaRPr lang="zh-CN" altLang="en-US"/>
           </a:p>
@@ -3529,7 +3699,7 @@
           <a:p>
             <a:fld id="{141F205C-E85D-4B8F-9304-59A1D411154E}" type="datetimeFigureOut">
               <a:rPr lang="zh-CN" altLang="en-US" smtClean="0"/>
-              <a:t>2025/5/23</a:t>
+              <a:t>2025/5/26</a:t>
             </a:fld>
             <a:endParaRPr lang="zh-CN" altLang="en-US"/>
           </a:p>
@@ -5051,6 +5221,53 @@
       </p:grpSpPr>
       <p:sp>
         <p:nvSpPr>
+          <p:cNvPr id="7" name="矩形 6">
+            <a:extLst>
+              <a:ext uri="{FF2B5EF4-FFF2-40B4-BE49-F238E27FC236}">
+                <a16:creationId xmlns:a16="http://schemas.microsoft.com/office/drawing/2014/main" id="{65208FF7-0089-468D-AD60-3F01003BF7E9}"/>
+              </a:ext>
+            </a:extLst>
+          </p:cNvPr>
+          <p:cNvSpPr/>
+          <p:nvPr/>
+        </p:nvSpPr>
+        <p:spPr>
+          <a:xfrm>
+            <a:off x="1275434" y="2562726"/>
+            <a:ext cx="1912848" cy="372980"/>
+          </a:xfrm>
+          <a:prstGeom prst="rect">
+            <a:avLst/>
+          </a:prstGeom>
+        </p:spPr>
+        <p:style>
+          <a:lnRef idx="2">
+            <a:schemeClr val="accent6"/>
+          </a:lnRef>
+          <a:fillRef idx="1">
+            <a:schemeClr val="lt1"/>
+          </a:fillRef>
+          <a:effectRef idx="0">
+            <a:schemeClr val="accent6"/>
+          </a:effectRef>
+          <a:fontRef idx="minor">
+            <a:schemeClr val="dk1"/>
+          </a:fontRef>
+        </p:style>
+        <p:txBody>
+          <a:bodyPr rtlCol="0" anchor="ctr"/>
+          <a:lstStyle/>
+          <a:p>
+            <a:pPr algn="ctr"/>
+            <a:r>
+              <a:rPr lang="zh-CN" altLang="en-US" dirty="0"/>
+              <a:t>文本</a:t>
+            </a:r>
+          </a:p>
+        </p:txBody>
+      </p:sp>
+      <p:sp>
+        <p:nvSpPr>
           <p:cNvPr id="8" name="文本框 7">
             <a:extLst>
               <a:ext uri="{FF2B5EF4-FFF2-40B4-BE49-F238E27FC236}">
@@ -5133,14 +5350,11 @@
         </p:nvSpPr>
         <p:spPr>
           <a:xfrm>
-            <a:off x="3949184" y="2162677"/>
-            <a:ext cx="445169" cy="2039352"/>
+            <a:off x="3477127" y="2562726"/>
+            <a:ext cx="445168" cy="1112922"/>
           </a:xfrm>
           <a:prstGeom prst="rightBrace">
-            <a:avLst>
-              <a:gd name="adj1" fmla="val 48873"/>
-              <a:gd name="adj2" fmla="val 50000"/>
-            </a:avLst>
+            <a:avLst/>
           </a:prstGeom>
         </p:spPr>
         <p:style>
@@ -5208,7 +5422,7 @@
             <a:pPr algn="ctr"/>
             <a:r>
               <a:rPr lang="zh-CN" altLang="en-US" dirty="0"/>
-              <a:t>场景信息：雨天</a:t>
+              <a:t>场景信息：大风天气</a:t>
             </a:r>
           </a:p>
         </p:txBody>
@@ -5263,7 +5477,7 @@
             <a:pPr algn="ctr"/>
             <a:r>
               <a:rPr lang="zh-CN" altLang="en-US" dirty="0"/>
-              <a:t>左手抬起</a:t>
+              <a:t>无</a:t>
             </a:r>
           </a:p>
         </p:txBody>
@@ -5310,7 +5524,7 @@
             <a:pPr algn="ctr"/>
             <a:r>
               <a:rPr lang="zh-CN" altLang="en-US" dirty="0"/>
-              <a:t>最终动作</a:t>
+              <a:t>最终动作序列</a:t>
             </a:r>
           </a:p>
         </p:txBody>
@@ -5356,6 +5570,53 @@
       </p:cxnSp>
       <p:sp>
         <p:nvSpPr>
+          <p:cNvPr id="15" name="矩形 14">
+            <a:extLst>
+              <a:ext uri="{FF2B5EF4-FFF2-40B4-BE49-F238E27FC236}">
+                <a16:creationId xmlns:a16="http://schemas.microsoft.com/office/drawing/2014/main" id="{2D35DFE5-6AD5-476C-B087-B3DB4B68C3D3}"/>
+              </a:ext>
+            </a:extLst>
+          </p:cNvPr>
+          <p:cNvSpPr/>
+          <p:nvPr/>
+        </p:nvSpPr>
+        <p:spPr>
+          <a:xfrm>
+            <a:off x="1275434" y="2916018"/>
+            <a:ext cx="1912848" cy="759629"/>
+          </a:xfrm>
+          <a:prstGeom prst="rect">
+            <a:avLst/>
+          </a:prstGeom>
+        </p:spPr>
+        <p:style>
+          <a:lnRef idx="2">
+            <a:schemeClr val="accent6"/>
+          </a:lnRef>
+          <a:fillRef idx="1">
+            <a:schemeClr val="lt1"/>
+          </a:fillRef>
+          <a:effectRef idx="0">
+            <a:schemeClr val="accent6"/>
+          </a:effectRef>
+          <a:fontRef idx="minor">
+            <a:schemeClr val="dk1"/>
+          </a:fontRef>
+        </p:style>
+        <p:txBody>
+          <a:bodyPr rtlCol="0" anchor="ctr"/>
+          <a:lstStyle/>
+          <a:p>
+            <a:pPr algn="ctr"/>
+            <a:r>
+              <a:rPr lang="zh-CN" altLang="en-US" dirty="0"/>
+              <a:t>大风中，行走</a:t>
+            </a:r>
+          </a:p>
+        </p:txBody>
+      </p:sp>
+      <p:sp>
+        <p:nvSpPr>
           <p:cNvPr id="17" name="闪电形 16">
             <a:extLst>
               <a:ext uri="{FF2B5EF4-FFF2-40B4-BE49-F238E27FC236}">
@@ -5414,12 +5675,42 @@
           </a:p>
         </p:txBody>
       </p:sp>
-      <p:sp>
-        <p:nvSpPr>
-          <p:cNvPr id="24" name="矩形 23">
-            <a:extLst>
-              <a:ext uri="{FF2B5EF4-FFF2-40B4-BE49-F238E27FC236}">
-                <a16:creationId xmlns:a16="http://schemas.microsoft.com/office/drawing/2014/main" id="{6AC88C81-A8FA-41AE-88B1-5430648A16C4}"/>
+      <p:pic>
+        <p:nvPicPr>
+          <p:cNvPr id="19" name="图片 18">
+            <a:extLst>
+              <a:ext uri="{FF2B5EF4-FFF2-40B4-BE49-F238E27FC236}">
+                <a16:creationId xmlns:a16="http://schemas.microsoft.com/office/drawing/2014/main" id="{CDD85962-95CE-410F-AE6B-BCF5EE9ABD96}"/>
+              </a:ext>
+            </a:extLst>
+          </p:cNvPr>
+          <p:cNvPicPr>
+            <a:picLocks noChangeAspect="1"/>
+          </p:cNvPicPr>
+          <p:nvPr/>
+        </p:nvPicPr>
+        <p:blipFill>
+          <a:blip r:embed="rId3"/>
+          <a:stretch>
+            <a:fillRect/>
+          </a:stretch>
+        </p:blipFill>
+        <p:spPr>
+          <a:xfrm>
+            <a:off x="8715195" y="3429000"/>
+            <a:ext cx="1592239" cy="2110196"/>
+          </a:xfrm>
+          <a:prstGeom prst="rect">
+            <a:avLst/>
+          </a:prstGeom>
+        </p:spPr>
+      </p:pic>
+      <p:sp>
+        <p:nvSpPr>
+          <p:cNvPr id="18" name="矩形 17">
+            <a:extLst>
+              <a:ext uri="{FF2B5EF4-FFF2-40B4-BE49-F238E27FC236}">
+                <a16:creationId xmlns:a16="http://schemas.microsoft.com/office/drawing/2014/main" id="{1A57AC10-F52C-44E0-8094-3E0C3DA1472F}"/>
               </a:ext>
             </a:extLst>
           </p:cNvPr>
@@ -5428,8 +5719,587 @@
         </p:nvSpPr>
         <p:spPr>
           <a:xfrm>
-            <a:off x="1873499" y="5309086"/>
-            <a:ext cx="8746958" cy="1347232"/>
+            <a:off x="7832557" y="5166216"/>
+            <a:ext cx="1110991" cy="372980"/>
+          </a:xfrm>
+          <a:prstGeom prst="rect">
+            <a:avLst/>
+          </a:prstGeom>
+        </p:spPr>
+        <p:style>
+          <a:lnRef idx="2">
+            <a:schemeClr val="accent6"/>
+          </a:lnRef>
+          <a:fillRef idx="1">
+            <a:schemeClr val="lt1"/>
+          </a:fillRef>
+          <a:effectRef idx="0">
+            <a:schemeClr val="accent6"/>
+          </a:effectRef>
+          <a:fontRef idx="minor">
+            <a:schemeClr val="dk1"/>
+          </a:fontRef>
+        </p:style>
+        <p:txBody>
+          <a:bodyPr rtlCol="0" anchor="ctr"/>
+          <a:lstStyle/>
+          <a:p>
+            <a:pPr algn="ctr"/>
+            <a:r>
+              <a:rPr lang="zh-CN" altLang="en-US" dirty="0"/>
+              <a:t>示意图</a:t>
+            </a:r>
+          </a:p>
+        </p:txBody>
+      </p:sp>
+      <p:pic>
+        <p:nvPicPr>
+          <p:cNvPr id="4" name="图片 3">
+            <a:extLst>
+              <a:ext uri="{FF2B5EF4-FFF2-40B4-BE49-F238E27FC236}">
+                <a16:creationId xmlns:a16="http://schemas.microsoft.com/office/drawing/2014/main" id="{A6AF23CC-F34E-4683-926E-7A46C0311186}"/>
+              </a:ext>
+            </a:extLst>
+          </p:cNvPr>
+          <p:cNvPicPr>
+            <a:picLocks noChangeAspect="1"/>
+          </p:cNvPicPr>
+          <p:nvPr/>
+        </p:nvPicPr>
+        <p:blipFill>
+          <a:blip r:embed="rId4"/>
+          <a:stretch>
+            <a:fillRect/>
+          </a:stretch>
+        </p:blipFill>
+        <p:spPr>
+          <a:xfrm>
+            <a:off x="10143261" y="3550279"/>
+            <a:ext cx="1273389" cy="1867637"/>
+          </a:xfrm>
+          <a:prstGeom prst="rect">
+            <a:avLst/>
+          </a:prstGeom>
+        </p:spPr>
+      </p:pic>
+    </p:spTree>
+    <p:extLst>
+      <p:ext uri="{BB962C8B-B14F-4D97-AF65-F5344CB8AC3E}">
+        <p14:creationId xmlns:p14="http://schemas.microsoft.com/office/powerpoint/2010/main" val="2808865476"/>
+      </p:ext>
+    </p:extLst>
+  </p:cSld>
+  <p:clrMapOvr>
+    <a:masterClrMapping/>
+  </p:clrMapOvr>
+</p:sld>
+</file>
+
+<file path=ppt/slides/slide11.xml><?xml version="1.0" encoding="utf-8"?>
+<p:sld xmlns:a="http://schemas.openxmlformats.org/drawingml/2006/main" xmlns:r="http://schemas.openxmlformats.org/officeDocument/2006/relationships" xmlns:p="http://schemas.openxmlformats.org/presentationml/2006/main">
+  <p:cSld>
+    <p:spTree>
+      <p:nvGrpSpPr>
+        <p:cNvPr id="1" name=""/>
+        <p:cNvGrpSpPr/>
+        <p:nvPr/>
+      </p:nvGrpSpPr>
+      <p:grpSpPr>
+        <a:xfrm>
+          <a:off x="0" y="0"/>
+          <a:ext cx="0" cy="0"/>
+          <a:chOff x="0" y="0"/>
+          <a:chExt cx="0" cy="0"/>
+        </a:xfrm>
+      </p:grpSpPr>
+      <p:sp>
+        <p:nvSpPr>
+          <p:cNvPr id="8" name="文本框 7">
+            <a:extLst>
+              <a:ext uri="{FF2B5EF4-FFF2-40B4-BE49-F238E27FC236}">
+                <a16:creationId xmlns:a16="http://schemas.microsoft.com/office/drawing/2014/main" id="{F3C01684-C253-4EEC-9B5A-715096ABE74A}"/>
+              </a:ext>
+            </a:extLst>
+          </p:cNvPr>
+          <p:cNvSpPr txBox="1"/>
+          <p:nvPr/>
+        </p:nvSpPr>
+        <p:spPr>
+          <a:xfrm>
+            <a:off x="864219" y="543383"/>
+            <a:ext cx="3530134" cy="369332"/>
+          </a:xfrm>
+          <a:prstGeom prst="rect">
+            <a:avLst/>
+          </a:prstGeom>
+          <a:noFill/>
+        </p:spPr>
+        <p:txBody>
+          <a:bodyPr wrap="none" rtlCol="0">
+            <a:spAutoFit/>
+          </a:bodyPr>
+          <a:lstStyle/>
+          <a:p>
+            <a:r>
+              <a:rPr lang="zh-CN" altLang="en-US" dirty="0"/>
+              <a:t>多模态输入（可选，自由组合）</a:t>
+            </a:r>
+          </a:p>
+        </p:txBody>
+      </p:sp>
+      <p:sp>
+        <p:nvSpPr>
+          <p:cNvPr id="9" name="文本框 8">
+            <a:extLst>
+              <a:ext uri="{FF2B5EF4-FFF2-40B4-BE49-F238E27FC236}">
+                <a16:creationId xmlns:a16="http://schemas.microsoft.com/office/drawing/2014/main" id="{275959D4-1156-4AB2-981A-11E823DD2B2F}"/>
+              </a:ext>
+            </a:extLst>
+          </p:cNvPr>
+          <p:cNvSpPr txBox="1"/>
+          <p:nvPr/>
+        </p:nvSpPr>
+        <p:spPr>
+          <a:xfrm>
+            <a:off x="8660574" y="1171394"/>
+            <a:ext cx="646331" cy="369332"/>
+          </a:xfrm>
+          <a:prstGeom prst="rect">
+            <a:avLst/>
+          </a:prstGeom>
+          <a:noFill/>
+        </p:spPr>
+        <p:txBody>
+          <a:bodyPr wrap="none" rtlCol="0">
+            <a:spAutoFit/>
+          </a:bodyPr>
+          <a:lstStyle/>
+          <a:p>
+            <a:r>
+              <a:rPr lang="zh-CN" altLang="en-US" dirty="0"/>
+              <a:t>输出</a:t>
+            </a:r>
+          </a:p>
+        </p:txBody>
+      </p:sp>
+      <p:sp>
+        <p:nvSpPr>
+          <p:cNvPr id="11" name="右大括号 10">
+            <a:extLst>
+              <a:ext uri="{FF2B5EF4-FFF2-40B4-BE49-F238E27FC236}">
+                <a16:creationId xmlns:a16="http://schemas.microsoft.com/office/drawing/2014/main" id="{F050D5C5-6AC4-4D0B-9D98-D9BEAA3FBCAA}"/>
+              </a:ext>
+            </a:extLst>
+          </p:cNvPr>
+          <p:cNvSpPr/>
+          <p:nvPr/>
+        </p:nvSpPr>
+        <p:spPr>
+          <a:xfrm>
+            <a:off x="4035452" y="2429454"/>
+            <a:ext cx="445169" cy="2039352"/>
+          </a:xfrm>
+          <a:prstGeom prst="rightBrace">
+            <a:avLst>
+              <a:gd name="adj1" fmla="val 48873"/>
+              <a:gd name="adj2" fmla="val 50000"/>
+            </a:avLst>
+          </a:prstGeom>
+        </p:spPr>
+        <p:style>
+          <a:lnRef idx="3">
+            <a:schemeClr val="accent3"/>
+          </a:lnRef>
+          <a:fillRef idx="0">
+            <a:schemeClr val="accent3"/>
+          </a:fillRef>
+          <a:effectRef idx="2">
+            <a:schemeClr val="accent3"/>
+          </a:effectRef>
+          <a:fontRef idx="minor">
+            <a:schemeClr val="tx1"/>
+          </a:fontRef>
+        </p:style>
+        <p:txBody>
+          <a:bodyPr rtlCol="0" anchor="ctr"/>
+          <a:lstStyle/>
+          <a:p>
+            <a:pPr algn="ctr"/>
+            <a:endParaRPr lang="zh-CN" altLang="en-US"/>
+          </a:p>
+        </p:txBody>
+      </p:sp>
+      <p:sp>
+        <p:nvSpPr>
+          <p:cNvPr id="12" name="椭圆 11">
+            <a:extLst>
+              <a:ext uri="{FF2B5EF4-FFF2-40B4-BE49-F238E27FC236}">
+                <a16:creationId xmlns:a16="http://schemas.microsoft.com/office/drawing/2014/main" id="{57070245-990F-48A0-BB7C-FD254767F621}"/>
+              </a:ext>
+            </a:extLst>
+          </p:cNvPr>
+          <p:cNvSpPr/>
+          <p:nvPr/>
+        </p:nvSpPr>
+        <p:spPr>
+          <a:xfrm>
+            <a:off x="4836695" y="1696453"/>
+            <a:ext cx="1913020" cy="866273"/>
+          </a:xfrm>
+          <a:prstGeom prst="ellipse">
+            <a:avLst/>
+          </a:prstGeom>
+        </p:spPr>
+        <p:style>
+          <a:lnRef idx="2">
+            <a:schemeClr val="accent2"/>
+          </a:lnRef>
+          <a:fillRef idx="1">
+            <a:schemeClr val="lt1"/>
+          </a:fillRef>
+          <a:effectRef idx="0">
+            <a:schemeClr val="accent2"/>
+          </a:effectRef>
+          <a:fontRef idx="minor">
+            <a:schemeClr val="dk1"/>
+          </a:fontRef>
+        </p:style>
+        <p:txBody>
+          <a:bodyPr rtlCol="0" anchor="ctr"/>
+          <a:lstStyle/>
+          <a:p>
+            <a:pPr algn="ctr"/>
+            <a:r>
+              <a:rPr lang="zh-CN" altLang="en-US" dirty="0"/>
+              <a:t>场景信息：雨天</a:t>
+            </a:r>
+          </a:p>
+        </p:txBody>
+      </p:sp>
+      <p:sp>
+        <p:nvSpPr>
+          <p:cNvPr id="13" name="椭圆 12">
+            <a:extLst>
+              <a:ext uri="{FF2B5EF4-FFF2-40B4-BE49-F238E27FC236}">
+                <a16:creationId xmlns:a16="http://schemas.microsoft.com/office/drawing/2014/main" id="{443168D4-0A16-4E15-9A8D-F06EAC7AF9D5}"/>
+              </a:ext>
+            </a:extLst>
+          </p:cNvPr>
+          <p:cNvSpPr/>
+          <p:nvPr/>
+        </p:nvSpPr>
+        <p:spPr>
+          <a:xfrm>
+            <a:off x="4836694" y="3182353"/>
+            <a:ext cx="1913021" cy="956510"/>
+          </a:xfrm>
+          <a:prstGeom prst="ellipse">
+            <a:avLst/>
+          </a:prstGeom>
+        </p:spPr>
+        <p:style>
+          <a:lnRef idx="2">
+            <a:schemeClr val="accent2"/>
+          </a:lnRef>
+          <a:fillRef idx="1">
+            <a:schemeClr val="lt1"/>
+          </a:fillRef>
+          <a:effectRef idx="0">
+            <a:schemeClr val="accent2"/>
+          </a:effectRef>
+          <a:fontRef idx="minor">
+            <a:schemeClr val="dk1"/>
+          </a:fontRef>
+        </p:style>
+        <p:txBody>
+          <a:bodyPr rtlCol="0" anchor="ctr"/>
+          <a:lstStyle/>
+          <a:p>
+            <a:pPr algn="ctr"/>
+            <a:r>
+              <a:rPr lang="zh-CN" altLang="en-US" dirty="0"/>
+              <a:t>性格风格：</a:t>
+            </a:r>
+            <a:endParaRPr lang="en-US" altLang="zh-CN" dirty="0"/>
+          </a:p>
+          <a:p>
+            <a:pPr algn="ctr"/>
+            <a:r>
+              <a:rPr lang="zh-CN" altLang="en-US" dirty="0"/>
+              <a:t>小孩</a:t>
+            </a:r>
+          </a:p>
+        </p:txBody>
+      </p:sp>
+      <p:sp>
+        <p:nvSpPr>
+          <p:cNvPr id="14" name="矩形: 圆角 13">
+            <a:extLst>
+              <a:ext uri="{FF2B5EF4-FFF2-40B4-BE49-F238E27FC236}">
+                <a16:creationId xmlns:a16="http://schemas.microsoft.com/office/drawing/2014/main" id="{8E12CF26-30EB-4F71-9703-F2D3A00DD689}"/>
+              </a:ext>
+            </a:extLst>
+          </p:cNvPr>
+          <p:cNvSpPr/>
+          <p:nvPr/>
+        </p:nvSpPr>
+        <p:spPr>
+          <a:xfrm>
+            <a:off x="8269707" y="1642311"/>
+            <a:ext cx="1428066" cy="2586789"/>
+          </a:xfrm>
+          <a:prstGeom prst="roundRect">
+            <a:avLst/>
+          </a:prstGeom>
+        </p:spPr>
+        <p:style>
+          <a:lnRef idx="2">
+            <a:schemeClr val="accent6"/>
+          </a:lnRef>
+          <a:fillRef idx="1">
+            <a:schemeClr val="lt1"/>
+          </a:fillRef>
+          <a:effectRef idx="0">
+            <a:schemeClr val="accent6"/>
+          </a:effectRef>
+          <a:fontRef idx="minor">
+            <a:schemeClr val="dk1"/>
+          </a:fontRef>
+        </p:style>
+        <p:txBody>
+          <a:bodyPr rtlCol="0" anchor="ctr"/>
+          <a:lstStyle/>
+          <a:p>
+            <a:pPr algn="ctr"/>
+            <a:r>
+              <a:rPr lang="zh-CN" altLang="en-US" dirty="0"/>
+              <a:t>最终动作</a:t>
+            </a:r>
+          </a:p>
+        </p:txBody>
+      </p:sp>
+      <p:cxnSp>
+        <p:nvCxnSpPr>
+          <p:cNvPr id="16" name="直接箭头连接符 15">
+            <a:extLst>
+              <a:ext uri="{FF2B5EF4-FFF2-40B4-BE49-F238E27FC236}">
+                <a16:creationId xmlns:a16="http://schemas.microsoft.com/office/drawing/2014/main" id="{11FBB67A-28F2-44BB-8FFA-BDFF1338170B}"/>
+              </a:ext>
+            </a:extLst>
+          </p:cNvPr>
+          <p:cNvCxnSpPr/>
+          <p:nvPr/>
+        </p:nvCxnSpPr>
+        <p:spPr>
+          <a:xfrm>
+            <a:off x="6942221" y="2821405"/>
+            <a:ext cx="890336" cy="0"/>
+          </a:xfrm>
+          <a:prstGeom prst="straightConnector1">
+            <a:avLst/>
+          </a:prstGeom>
+          <a:ln>
+            <a:tailEnd type="triangle"/>
+          </a:ln>
+        </p:spPr>
+        <p:style>
+          <a:lnRef idx="1">
+            <a:schemeClr val="accent1"/>
+          </a:lnRef>
+          <a:fillRef idx="0">
+            <a:schemeClr val="accent1"/>
+          </a:fillRef>
+          <a:effectRef idx="0">
+            <a:schemeClr val="accent1"/>
+          </a:effectRef>
+          <a:fontRef idx="minor">
+            <a:schemeClr val="tx1"/>
+          </a:fontRef>
+        </p:style>
+      </p:cxnSp>
+      <p:sp>
+        <p:nvSpPr>
+          <p:cNvPr id="17" name="闪电形 16">
+            <a:extLst>
+              <a:ext uri="{FF2B5EF4-FFF2-40B4-BE49-F238E27FC236}">
+                <a16:creationId xmlns:a16="http://schemas.microsoft.com/office/drawing/2014/main" id="{07EFBCC8-9250-4ED5-90EA-8F1A95B6EBBC}"/>
+              </a:ext>
+            </a:extLst>
+          </p:cNvPr>
+          <p:cNvSpPr/>
+          <p:nvPr/>
+        </p:nvSpPr>
+        <p:spPr>
+          <a:xfrm>
+            <a:off x="6058535" y="1479450"/>
+            <a:ext cx="912395" cy="567808"/>
+          </a:xfrm>
+          <a:prstGeom prst="lightningBolt">
+            <a:avLst/>
+          </a:prstGeom>
+        </p:spPr>
+        <p:style>
+          <a:lnRef idx="3">
+            <a:schemeClr val="lt1"/>
+          </a:lnRef>
+          <a:fillRef idx="1">
+            <a:schemeClr val="accent4"/>
+          </a:fillRef>
+          <a:effectRef idx="1">
+            <a:schemeClr val="accent4"/>
+          </a:effectRef>
+          <a:fontRef idx="minor">
+            <a:schemeClr val="lt1"/>
+          </a:fontRef>
+        </p:style>
+        <p:txBody>
+          <a:bodyPr rtlCol="0" anchor="ctr"/>
+          <a:lstStyle/>
+          <a:p>
+            <a:pPr algn="ctr"/>
+            <a:r>
+              <a:rPr lang="zh-CN" altLang="en-US" dirty="0">
+                <a:ln w="22225">
+                  <a:solidFill>
+                    <a:schemeClr val="accent2"/>
+                  </a:solidFill>
+                  <a:prstDash val="solid"/>
+                </a:ln>
+                <a:solidFill>
+                  <a:schemeClr val="accent2">
+                    <a:lumMod val="40000"/>
+                    <a:lumOff val="60000"/>
+                  </a:schemeClr>
+                </a:solidFill>
+              </a:rPr>
+              <a:t>创新</a:t>
+            </a:r>
+          </a:p>
+        </p:txBody>
+      </p:sp>
+      <p:pic>
+        <p:nvPicPr>
+          <p:cNvPr id="4" name="图片 3">
+            <a:extLst>
+              <a:ext uri="{FF2B5EF4-FFF2-40B4-BE49-F238E27FC236}">
+                <a16:creationId xmlns:a16="http://schemas.microsoft.com/office/drawing/2014/main" id="{125DBC22-202B-43B7-95B7-37193FC8539B}"/>
+              </a:ext>
+            </a:extLst>
+          </p:cNvPr>
+          <p:cNvPicPr>
+            <a:picLocks noChangeAspect="1"/>
+          </p:cNvPicPr>
+          <p:nvPr/>
+        </p:nvPicPr>
+        <p:blipFill>
+          <a:blip r:embed="rId3"/>
+          <a:stretch>
+            <a:fillRect/>
+          </a:stretch>
+        </p:blipFill>
+        <p:spPr>
+          <a:xfrm>
+            <a:off x="534224" y="2705034"/>
+            <a:ext cx="1784808" cy="1488192"/>
+          </a:xfrm>
+          <a:prstGeom prst="rect">
+            <a:avLst/>
+          </a:prstGeom>
+        </p:spPr>
+      </p:pic>
+      <p:pic>
+        <p:nvPicPr>
+          <p:cNvPr id="21" name="图片 20">
+            <a:extLst>
+              <a:ext uri="{FF2B5EF4-FFF2-40B4-BE49-F238E27FC236}">
+                <a16:creationId xmlns:a16="http://schemas.microsoft.com/office/drawing/2014/main" id="{205CFD91-BBDB-4560-B1D4-DFA73C823D69}"/>
+              </a:ext>
+            </a:extLst>
+          </p:cNvPr>
+          <p:cNvPicPr>
+            <a:picLocks noChangeAspect="1"/>
+          </p:cNvPicPr>
+          <p:nvPr/>
+        </p:nvPicPr>
+        <p:blipFill>
+          <a:blip r:embed="rId4"/>
+          <a:stretch>
+            <a:fillRect/>
+          </a:stretch>
+        </p:blipFill>
+        <p:spPr>
+          <a:xfrm>
+            <a:off x="2091545" y="3182353"/>
+            <a:ext cx="1587833" cy="1514939"/>
+          </a:xfrm>
+          <a:prstGeom prst="rect">
+            <a:avLst/>
+          </a:prstGeom>
+        </p:spPr>
+      </p:pic>
+      <p:sp>
+        <p:nvSpPr>
+          <p:cNvPr id="22" name="矩形 21">
+            <a:extLst>
+              <a:ext uri="{FF2B5EF4-FFF2-40B4-BE49-F238E27FC236}">
+                <a16:creationId xmlns:a16="http://schemas.microsoft.com/office/drawing/2014/main" id="{04F88E66-F3C7-4C0B-B8FB-889E17857AD2}"/>
+              </a:ext>
+            </a:extLst>
+          </p:cNvPr>
+          <p:cNvSpPr/>
+          <p:nvPr/>
+        </p:nvSpPr>
+        <p:spPr>
+          <a:xfrm>
+            <a:off x="1362608" y="2193393"/>
+            <a:ext cx="1912848" cy="369333"/>
+          </a:xfrm>
+          <a:prstGeom prst="rect">
+            <a:avLst/>
+          </a:prstGeom>
+        </p:spPr>
+        <p:style>
+          <a:lnRef idx="2">
+            <a:schemeClr val="accent6"/>
+          </a:lnRef>
+          <a:fillRef idx="1">
+            <a:schemeClr val="lt1"/>
+          </a:fillRef>
+          <a:effectRef idx="0">
+            <a:schemeClr val="accent6"/>
+          </a:effectRef>
+          <a:fontRef idx="minor">
+            <a:schemeClr val="dk1"/>
+          </a:fontRef>
+        </p:style>
+        <p:txBody>
+          <a:bodyPr rtlCol="0" anchor="ctr"/>
+          <a:lstStyle/>
+          <a:p>
+            <a:pPr algn="ctr"/>
+            <a:r>
+              <a:rPr lang="zh-CN" altLang="en-US" dirty="0"/>
+              <a:t>视频</a:t>
+            </a:r>
+          </a:p>
+        </p:txBody>
+      </p:sp>
+      <p:sp>
+        <p:nvSpPr>
+          <p:cNvPr id="24" name="矩形 23">
+            <a:extLst>
+              <a:ext uri="{FF2B5EF4-FFF2-40B4-BE49-F238E27FC236}">
+                <a16:creationId xmlns:a16="http://schemas.microsoft.com/office/drawing/2014/main" id="{6AC88C81-A8FA-41AE-88B1-5430648A16C4}"/>
+              </a:ext>
+            </a:extLst>
+          </p:cNvPr>
+          <p:cNvSpPr/>
+          <p:nvPr/>
+        </p:nvSpPr>
+        <p:spPr>
+          <a:xfrm>
+            <a:off x="1873499" y="5136559"/>
+            <a:ext cx="8746958" cy="1519759"/>
           </a:xfrm>
           <a:prstGeom prst="rect">
             <a:avLst/>
@@ -5456,78 +6326,148 @@
             <a:pPr algn="ctr"/>
             <a:r>
               <a:rPr lang="zh-CN" altLang="en-US" dirty="0"/>
-              <a:t>通过场景编码器，即使新的输入只输入文本，以及不同的性格（风格），依旧可以获取到场景编码器学习的信息：雨天容易打滑（正交损失）</a:t>
+              <a:t>通过场景编码器学习到例如</a:t>
+            </a:r>
+            <a:r>
+              <a:rPr lang="en-US" altLang="zh-CN" dirty="0"/>
+              <a:t>:</a:t>
+            </a:r>
+          </a:p>
+          <a:p>
+            <a:pPr algn="ctr"/>
+            <a:r>
+              <a:rPr lang="zh-CN" altLang="en-US" dirty="0"/>
+              <a:t>雨天易打滑，</a:t>
             </a:r>
             <a:endParaRPr lang="en-US" altLang="zh-CN" dirty="0"/>
           </a:p>
-        </p:txBody>
-      </p:sp>
-      <p:pic>
-        <p:nvPicPr>
-          <p:cNvPr id="26" name="图片 25">
-            <a:extLst>
-              <a:ext uri="{FF2B5EF4-FFF2-40B4-BE49-F238E27FC236}">
-                <a16:creationId xmlns:a16="http://schemas.microsoft.com/office/drawing/2014/main" id="{B12FD43F-392E-4DE8-8417-32796B71BFB4}"/>
-              </a:ext>
-            </a:extLst>
-          </p:cNvPr>
-          <p:cNvPicPr>
-            <a:picLocks noChangeAspect="1"/>
-          </p:cNvPicPr>
+          <a:p>
+            <a:pPr algn="ctr"/>
+            <a:r>
+              <a:rPr lang="zh-CN" altLang="en-US" dirty="0"/>
+              <a:t>沙漠中一步一顿行走艰难，</a:t>
+            </a:r>
+            <a:endParaRPr lang="en-US" altLang="zh-CN" dirty="0"/>
+          </a:p>
+          <a:p>
+            <a:pPr algn="ctr"/>
+            <a:r>
+              <a:rPr lang="zh-CN" altLang="en-US" dirty="0"/>
+              <a:t>大风天气会有捂住头，行走艰难的情况</a:t>
+            </a:r>
+            <a:r>
+              <a:rPr lang="en-US" altLang="zh-CN" dirty="0"/>
+              <a:t>.</a:t>
+            </a:r>
+          </a:p>
+        </p:txBody>
+      </p:sp>
+    </p:spTree>
+    <p:extLst>
+      <p:ext uri="{BB962C8B-B14F-4D97-AF65-F5344CB8AC3E}">
+        <p14:creationId xmlns:p14="http://schemas.microsoft.com/office/powerpoint/2010/main" val="2469816748"/>
+      </p:ext>
+    </p:extLst>
+  </p:cSld>
+  <p:clrMapOvr>
+    <a:masterClrMapping/>
+  </p:clrMapOvr>
+</p:sld>
+</file>
+
+<file path=ppt/slides/slide12.xml><?xml version="1.0" encoding="utf-8"?>
+<p:sld xmlns:a="http://schemas.openxmlformats.org/drawingml/2006/main" xmlns:r="http://schemas.openxmlformats.org/officeDocument/2006/relationships" xmlns:p="http://schemas.openxmlformats.org/presentationml/2006/main">
+  <p:cSld>
+    <p:spTree>
+      <p:nvGrpSpPr>
+        <p:cNvPr id="1" name=""/>
+        <p:cNvGrpSpPr/>
+        <p:nvPr/>
+      </p:nvGrpSpPr>
+      <p:grpSpPr>
+        <a:xfrm>
+          <a:off x="0" y="0"/>
+          <a:ext cx="0" cy="0"/>
+          <a:chOff x="0" y="0"/>
+          <a:chExt cx="0" cy="0"/>
+        </a:xfrm>
+      </p:grpSpPr>
+      <p:sp>
+        <p:nvSpPr>
+          <p:cNvPr id="8" name="文本框 7">
+            <a:extLst>
+              <a:ext uri="{FF2B5EF4-FFF2-40B4-BE49-F238E27FC236}">
+                <a16:creationId xmlns:a16="http://schemas.microsoft.com/office/drawing/2014/main" id="{F3C01684-C253-4EEC-9B5A-715096ABE74A}"/>
+              </a:ext>
+            </a:extLst>
+          </p:cNvPr>
+          <p:cNvSpPr txBox="1"/>
           <p:nvPr/>
-        </p:nvPicPr>
-        <p:blipFill>
-          <a:blip r:embed="rId3"/>
-          <a:stretch>
-            <a:fillRect/>
-          </a:stretch>
-        </p:blipFill>
-        <p:spPr>
-          <a:xfrm>
-            <a:off x="8669556" y="3245693"/>
-            <a:ext cx="1192142" cy="1641442"/>
+        </p:nvSpPr>
+        <p:spPr>
+          <a:xfrm>
+            <a:off x="864219" y="543383"/>
+            <a:ext cx="3530134" cy="369332"/>
           </a:xfrm>
           <a:prstGeom prst="rect">
             <a:avLst/>
           </a:prstGeom>
-        </p:spPr>
-      </p:pic>
-      <p:pic>
-        <p:nvPicPr>
-          <p:cNvPr id="28" name="图片 27">
-            <a:extLst>
-              <a:ext uri="{FF2B5EF4-FFF2-40B4-BE49-F238E27FC236}">
-                <a16:creationId xmlns:a16="http://schemas.microsoft.com/office/drawing/2014/main" id="{CE7A6C97-0A07-49BC-9523-D13F4AC6F258}"/>
-              </a:ext>
-            </a:extLst>
-          </p:cNvPr>
-          <p:cNvPicPr>
-            <a:picLocks noChangeAspect="1"/>
-          </p:cNvPicPr>
+          <a:noFill/>
+        </p:spPr>
+        <p:txBody>
+          <a:bodyPr wrap="none" rtlCol="0">
+            <a:spAutoFit/>
+          </a:bodyPr>
+          <a:lstStyle/>
+          <a:p>
+            <a:r>
+              <a:rPr lang="zh-CN" altLang="en-US" dirty="0"/>
+              <a:t>多模态输入（可选，自由组合）</a:t>
+            </a:r>
+          </a:p>
+        </p:txBody>
+      </p:sp>
+      <p:sp>
+        <p:nvSpPr>
+          <p:cNvPr id="9" name="文本框 8">
+            <a:extLst>
+              <a:ext uri="{FF2B5EF4-FFF2-40B4-BE49-F238E27FC236}">
+                <a16:creationId xmlns:a16="http://schemas.microsoft.com/office/drawing/2014/main" id="{275959D4-1156-4AB2-981A-11E823DD2B2F}"/>
+              </a:ext>
+            </a:extLst>
+          </p:cNvPr>
+          <p:cNvSpPr txBox="1"/>
           <p:nvPr/>
-        </p:nvPicPr>
-        <p:blipFill>
-          <a:blip r:embed="rId4"/>
-          <a:stretch>
-            <a:fillRect/>
-          </a:stretch>
-        </p:blipFill>
-        <p:spPr>
-          <a:xfrm>
-            <a:off x="9771104" y="3561167"/>
-            <a:ext cx="1539071" cy="1190375"/>
+        </p:nvSpPr>
+        <p:spPr>
+          <a:xfrm>
+            <a:off x="8660574" y="1171394"/>
+            <a:ext cx="646331" cy="369332"/>
           </a:xfrm>
           <a:prstGeom prst="rect">
             <a:avLst/>
           </a:prstGeom>
-        </p:spPr>
-      </p:pic>
-      <p:sp>
-        <p:nvSpPr>
-          <p:cNvPr id="18" name="矩形 17">
-            <a:extLst>
-              <a:ext uri="{FF2B5EF4-FFF2-40B4-BE49-F238E27FC236}">
-                <a16:creationId xmlns:a16="http://schemas.microsoft.com/office/drawing/2014/main" id="{C61D6770-A094-437B-990D-A7EA98E6FA4B}"/>
+          <a:noFill/>
+        </p:spPr>
+        <p:txBody>
+          <a:bodyPr wrap="none" rtlCol="0">
+            <a:spAutoFit/>
+          </a:bodyPr>
+          <a:lstStyle/>
+          <a:p>
+            <a:r>
+              <a:rPr lang="zh-CN" altLang="en-US" dirty="0"/>
+              <a:t>输出</a:t>
+            </a:r>
+          </a:p>
+        </p:txBody>
+      </p:sp>
+      <p:sp>
+        <p:nvSpPr>
+          <p:cNvPr id="11" name="右大括号 10">
+            <a:extLst>
+              <a:ext uri="{FF2B5EF4-FFF2-40B4-BE49-F238E27FC236}">
+                <a16:creationId xmlns:a16="http://schemas.microsoft.com/office/drawing/2014/main" id="{F050D5C5-6AC4-4D0B-9D98-D9BEAA3FBCAA}"/>
               </a:ext>
             </a:extLst>
           </p:cNvPr>
@@ -5536,10 +6476,159 @@
         </p:nvSpPr>
         <p:spPr>
           <a:xfrm>
-            <a:off x="1405782" y="2468176"/>
-            <a:ext cx="1912848" cy="372980"/>
-          </a:xfrm>
-          <a:prstGeom prst="rect">
+            <a:off x="3949184" y="2162677"/>
+            <a:ext cx="445169" cy="2039352"/>
+          </a:xfrm>
+          <a:prstGeom prst="rightBrace">
+            <a:avLst>
+              <a:gd name="adj1" fmla="val 48873"/>
+              <a:gd name="adj2" fmla="val 50000"/>
+            </a:avLst>
+          </a:prstGeom>
+        </p:spPr>
+        <p:style>
+          <a:lnRef idx="3">
+            <a:schemeClr val="accent3"/>
+          </a:lnRef>
+          <a:fillRef idx="0">
+            <a:schemeClr val="accent3"/>
+          </a:fillRef>
+          <a:effectRef idx="2">
+            <a:schemeClr val="accent3"/>
+          </a:effectRef>
+          <a:fontRef idx="minor">
+            <a:schemeClr val="tx1"/>
+          </a:fontRef>
+        </p:style>
+        <p:txBody>
+          <a:bodyPr rtlCol="0" anchor="ctr"/>
+          <a:lstStyle/>
+          <a:p>
+            <a:pPr algn="ctr"/>
+            <a:endParaRPr lang="zh-CN" altLang="en-US"/>
+          </a:p>
+        </p:txBody>
+      </p:sp>
+      <p:sp>
+        <p:nvSpPr>
+          <p:cNvPr id="12" name="椭圆 11">
+            <a:extLst>
+              <a:ext uri="{FF2B5EF4-FFF2-40B4-BE49-F238E27FC236}">
+                <a16:creationId xmlns:a16="http://schemas.microsoft.com/office/drawing/2014/main" id="{57070245-990F-48A0-BB7C-FD254767F621}"/>
+              </a:ext>
+            </a:extLst>
+          </p:cNvPr>
+          <p:cNvSpPr/>
+          <p:nvPr/>
+        </p:nvSpPr>
+        <p:spPr>
+          <a:xfrm>
+            <a:off x="4836695" y="1696453"/>
+            <a:ext cx="1913020" cy="866273"/>
+          </a:xfrm>
+          <a:prstGeom prst="ellipse">
+            <a:avLst/>
+          </a:prstGeom>
+        </p:spPr>
+        <p:style>
+          <a:lnRef idx="2">
+            <a:schemeClr val="accent2"/>
+          </a:lnRef>
+          <a:fillRef idx="1">
+            <a:schemeClr val="lt1"/>
+          </a:fillRef>
+          <a:effectRef idx="0">
+            <a:schemeClr val="accent2"/>
+          </a:effectRef>
+          <a:fontRef idx="minor">
+            <a:schemeClr val="dk1"/>
+          </a:fontRef>
+        </p:style>
+        <p:txBody>
+          <a:bodyPr rtlCol="0" anchor="ctr"/>
+          <a:lstStyle/>
+          <a:p>
+            <a:pPr algn="ctr"/>
+            <a:r>
+              <a:rPr lang="zh-CN" altLang="en-US" dirty="0"/>
+              <a:t>场景信息：雨天</a:t>
+            </a:r>
+          </a:p>
+        </p:txBody>
+      </p:sp>
+      <p:sp>
+        <p:nvSpPr>
+          <p:cNvPr id="13" name="椭圆 12">
+            <a:extLst>
+              <a:ext uri="{FF2B5EF4-FFF2-40B4-BE49-F238E27FC236}">
+                <a16:creationId xmlns:a16="http://schemas.microsoft.com/office/drawing/2014/main" id="{443168D4-0A16-4E15-9A8D-F06EAC7AF9D5}"/>
+              </a:ext>
+            </a:extLst>
+          </p:cNvPr>
+          <p:cNvSpPr/>
+          <p:nvPr/>
+        </p:nvSpPr>
+        <p:spPr>
+          <a:xfrm>
+            <a:off x="4836694" y="3182353"/>
+            <a:ext cx="1913021" cy="956510"/>
+          </a:xfrm>
+          <a:prstGeom prst="ellipse">
+            <a:avLst/>
+          </a:prstGeom>
+        </p:spPr>
+        <p:style>
+          <a:lnRef idx="2">
+            <a:schemeClr val="accent2"/>
+          </a:lnRef>
+          <a:fillRef idx="1">
+            <a:schemeClr val="lt1"/>
+          </a:fillRef>
+          <a:effectRef idx="0">
+            <a:schemeClr val="accent2"/>
+          </a:effectRef>
+          <a:fontRef idx="minor">
+            <a:schemeClr val="dk1"/>
+          </a:fontRef>
+        </p:style>
+        <p:txBody>
+          <a:bodyPr rtlCol="0" anchor="ctr"/>
+          <a:lstStyle/>
+          <a:p>
+            <a:pPr algn="ctr"/>
+            <a:r>
+              <a:rPr lang="zh-CN" altLang="en-US" dirty="0"/>
+              <a:t>性格风格：</a:t>
+            </a:r>
+            <a:endParaRPr lang="en-US" altLang="zh-CN" dirty="0"/>
+          </a:p>
+          <a:p>
+            <a:pPr algn="ctr"/>
+            <a:r>
+              <a:rPr lang="zh-CN" altLang="en-US" dirty="0"/>
+              <a:t>左手抬起</a:t>
+            </a:r>
+          </a:p>
+        </p:txBody>
+      </p:sp>
+      <p:sp>
+        <p:nvSpPr>
+          <p:cNvPr id="14" name="矩形: 圆角 13">
+            <a:extLst>
+              <a:ext uri="{FF2B5EF4-FFF2-40B4-BE49-F238E27FC236}">
+                <a16:creationId xmlns:a16="http://schemas.microsoft.com/office/drawing/2014/main" id="{8E12CF26-30EB-4F71-9703-F2D3A00DD689}"/>
+              </a:ext>
+            </a:extLst>
+          </p:cNvPr>
+          <p:cNvSpPr/>
+          <p:nvPr/>
+        </p:nvSpPr>
+        <p:spPr>
+          <a:xfrm>
+            <a:off x="8269707" y="1642311"/>
+            <a:ext cx="1428066" cy="2586789"/>
+          </a:xfrm>
+          <a:prstGeom prst="roundRect">
             <a:avLst/>
           </a:prstGeom>
         </p:spPr>
@@ -5564,17 +6653,56 @@
             <a:pPr algn="ctr"/>
             <a:r>
               <a:rPr lang="zh-CN" altLang="en-US" dirty="0"/>
-              <a:t>文本</a:t>
-            </a:r>
-          </a:p>
-        </p:txBody>
-      </p:sp>
-      <p:sp>
-        <p:nvSpPr>
-          <p:cNvPr id="19" name="矩形 18">
-            <a:extLst>
-              <a:ext uri="{FF2B5EF4-FFF2-40B4-BE49-F238E27FC236}">
-                <a16:creationId xmlns:a16="http://schemas.microsoft.com/office/drawing/2014/main" id="{8CB22077-E5D6-4364-9EC6-49227B0517C2}"/>
+              <a:t>最终动作</a:t>
+            </a:r>
+          </a:p>
+        </p:txBody>
+      </p:sp>
+      <p:cxnSp>
+        <p:nvCxnSpPr>
+          <p:cNvPr id="16" name="直接箭头连接符 15">
+            <a:extLst>
+              <a:ext uri="{FF2B5EF4-FFF2-40B4-BE49-F238E27FC236}">
+                <a16:creationId xmlns:a16="http://schemas.microsoft.com/office/drawing/2014/main" id="{11FBB67A-28F2-44BB-8FFA-BDFF1338170B}"/>
+              </a:ext>
+            </a:extLst>
+          </p:cNvPr>
+          <p:cNvCxnSpPr/>
+          <p:nvPr/>
+        </p:nvCxnSpPr>
+        <p:spPr>
+          <a:xfrm>
+            <a:off x="6942221" y="2821405"/>
+            <a:ext cx="890336" cy="0"/>
+          </a:xfrm>
+          <a:prstGeom prst="straightConnector1">
+            <a:avLst/>
+          </a:prstGeom>
+          <a:ln>
+            <a:tailEnd type="triangle"/>
+          </a:ln>
+        </p:spPr>
+        <p:style>
+          <a:lnRef idx="1">
+            <a:schemeClr val="accent1"/>
+          </a:lnRef>
+          <a:fillRef idx="0">
+            <a:schemeClr val="accent1"/>
+          </a:fillRef>
+          <a:effectRef idx="0">
+            <a:schemeClr val="accent1"/>
+          </a:effectRef>
+          <a:fontRef idx="minor">
+            <a:schemeClr val="tx1"/>
+          </a:fontRef>
+        </p:style>
+      </p:cxnSp>
+      <p:sp>
+        <p:nvSpPr>
+          <p:cNvPr id="17" name="闪电形 16">
+            <a:extLst>
+              <a:ext uri="{FF2B5EF4-FFF2-40B4-BE49-F238E27FC236}">
+                <a16:creationId xmlns:a16="http://schemas.microsoft.com/office/drawing/2014/main" id="{07EFBCC8-9250-4ED5-90EA-8F1A95B6EBBC}"/>
               </a:ext>
             </a:extLst>
           </p:cNvPr>
@@ -5583,8 +6711,176 @@
         </p:nvSpPr>
         <p:spPr>
           <a:xfrm>
-            <a:off x="1405782" y="2821468"/>
-            <a:ext cx="1912848" cy="759629"/>
+            <a:off x="6058535" y="1479450"/>
+            <a:ext cx="912395" cy="567808"/>
+          </a:xfrm>
+          <a:prstGeom prst="lightningBolt">
+            <a:avLst/>
+          </a:prstGeom>
+        </p:spPr>
+        <p:style>
+          <a:lnRef idx="3">
+            <a:schemeClr val="lt1"/>
+          </a:lnRef>
+          <a:fillRef idx="1">
+            <a:schemeClr val="accent4"/>
+          </a:fillRef>
+          <a:effectRef idx="1">
+            <a:schemeClr val="accent4"/>
+          </a:effectRef>
+          <a:fontRef idx="minor">
+            <a:schemeClr val="lt1"/>
+          </a:fontRef>
+        </p:style>
+        <p:txBody>
+          <a:bodyPr rtlCol="0" anchor="ctr"/>
+          <a:lstStyle/>
+          <a:p>
+            <a:pPr algn="ctr"/>
+            <a:r>
+              <a:rPr lang="zh-CN" altLang="en-US" dirty="0">
+                <a:ln w="22225">
+                  <a:solidFill>
+                    <a:schemeClr val="accent2"/>
+                  </a:solidFill>
+                  <a:prstDash val="solid"/>
+                </a:ln>
+                <a:solidFill>
+                  <a:schemeClr val="accent2">
+                    <a:lumMod val="40000"/>
+                    <a:lumOff val="60000"/>
+                  </a:schemeClr>
+                </a:solidFill>
+              </a:rPr>
+              <a:t>创新</a:t>
+            </a:r>
+          </a:p>
+        </p:txBody>
+      </p:sp>
+      <p:sp>
+        <p:nvSpPr>
+          <p:cNvPr id="24" name="矩形 23">
+            <a:extLst>
+              <a:ext uri="{FF2B5EF4-FFF2-40B4-BE49-F238E27FC236}">
+                <a16:creationId xmlns:a16="http://schemas.microsoft.com/office/drawing/2014/main" id="{6AC88C81-A8FA-41AE-88B1-5430648A16C4}"/>
+              </a:ext>
+            </a:extLst>
+          </p:cNvPr>
+          <p:cNvSpPr/>
+          <p:nvPr/>
+        </p:nvSpPr>
+        <p:spPr>
+          <a:xfrm>
+            <a:off x="1873499" y="5309086"/>
+            <a:ext cx="8746958" cy="1347232"/>
+          </a:xfrm>
+          <a:prstGeom prst="rect">
+            <a:avLst/>
+          </a:prstGeom>
+        </p:spPr>
+        <p:style>
+          <a:lnRef idx="2">
+            <a:schemeClr val="accent5"/>
+          </a:lnRef>
+          <a:fillRef idx="1">
+            <a:schemeClr val="lt1"/>
+          </a:fillRef>
+          <a:effectRef idx="0">
+            <a:schemeClr val="accent5"/>
+          </a:effectRef>
+          <a:fontRef idx="minor">
+            <a:schemeClr val="dk1"/>
+          </a:fontRef>
+        </p:style>
+        <p:txBody>
+          <a:bodyPr rtlCol="0" anchor="ctr"/>
+          <a:lstStyle/>
+          <a:p>
+            <a:pPr algn="ctr"/>
+            <a:r>
+              <a:rPr lang="zh-CN" altLang="en-US" dirty="0"/>
+              <a:t>通过场景编码器，即使新的输入只输入文本，以及不同的性格（风格），依旧可以获取到场景编码器学习的信息：雨天容易打滑（正交损失）</a:t>
+            </a:r>
+            <a:endParaRPr lang="en-US" altLang="zh-CN" dirty="0"/>
+          </a:p>
+        </p:txBody>
+      </p:sp>
+      <p:pic>
+        <p:nvPicPr>
+          <p:cNvPr id="26" name="图片 25">
+            <a:extLst>
+              <a:ext uri="{FF2B5EF4-FFF2-40B4-BE49-F238E27FC236}">
+                <a16:creationId xmlns:a16="http://schemas.microsoft.com/office/drawing/2014/main" id="{B12FD43F-392E-4DE8-8417-32796B71BFB4}"/>
+              </a:ext>
+            </a:extLst>
+          </p:cNvPr>
+          <p:cNvPicPr>
+            <a:picLocks noChangeAspect="1"/>
+          </p:cNvPicPr>
+          <p:nvPr/>
+        </p:nvPicPr>
+        <p:blipFill>
+          <a:blip r:embed="rId3"/>
+          <a:stretch>
+            <a:fillRect/>
+          </a:stretch>
+        </p:blipFill>
+        <p:spPr>
+          <a:xfrm>
+            <a:off x="8669556" y="3245693"/>
+            <a:ext cx="1192142" cy="1641442"/>
+          </a:xfrm>
+          <a:prstGeom prst="rect">
+            <a:avLst/>
+          </a:prstGeom>
+        </p:spPr>
+      </p:pic>
+      <p:pic>
+        <p:nvPicPr>
+          <p:cNvPr id="28" name="图片 27">
+            <a:extLst>
+              <a:ext uri="{FF2B5EF4-FFF2-40B4-BE49-F238E27FC236}">
+                <a16:creationId xmlns:a16="http://schemas.microsoft.com/office/drawing/2014/main" id="{CE7A6C97-0A07-49BC-9523-D13F4AC6F258}"/>
+              </a:ext>
+            </a:extLst>
+          </p:cNvPr>
+          <p:cNvPicPr>
+            <a:picLocks noChangeAspect="1"/>
+          </p:cNvPicPr>
+          <p:nvPr/>
+        </p:nvPicPr>
+        <p:blipFill>
+          <a:blip r:embed="rId4"/>
+          <a:stretch>
+            <a:fillRect/>
+          </a:stretch>
+        </p:blipFill>
+        <p:spPr>
+          <a:xfrm>
+            <a:off x="9771104" y="3561167"/>
+            <a:ext cx="1539071" cy="1190375"/>
+          </a:xfrm>
+          <a:prstGeom prst="rect">
+            <a:avLst/>
+          </a:prstGeom>
+        </p:spPr>
+      </p:pic>
+      <p:sp>
+        <p:nvSpPr>
+          <p:cNvPr id="18" name="矩形 17">
+            <a:extLst>
+              <a:ext uri="{FF2B5EF4-FFF2-40B4-BE49-F238E27FC236}">
+                <a16:creationId xmlns:a16="http://schemas.microsoft.com/office/drawing/2014/main" id="{C61D6770-A094-437B-990D-A7EA98E6FA4B}"/>
+              </a:ext>
+            </a:extLst>
+          </p:cNvPr>
+          <p:cNvSpPr/>
+          <p:nvPr/>
+        </p:nvSpPr>
+        <p:spPr>
+          <a:xfrm>
+            <a:off x="1405782" y="2468176"/>
+            <a:ext cx="1912848" cy="372980"/>
           </a:xfrm>
           <a:prstGeom prst="rect">
             <a:avLst/>
@@ -5611,25 +6907,17 @@
             <a:pPr algn="ctr"/>
             <a:r>
               <a:rPr lang="zh-CN" altLang="en-US" dirty="0"/>
-              <a:t>雨天，跑步，</a:t>
-            </a:r>
-            <a:endParaRPr lang="en-US" altLang="zh-CN" dirty="0"/>
-          </a:p>
-          <a:p>
-            <a:pPr algn="ctr"/>
-            <a:r>
-              <a:rPr lang="zh-CN" altLang="en-US" dirty="0"/>
-              <a:t>左手抬起</a:t>
-            </a:r>
-          </a:p>
-        </p:txBody>
-      </p:sp>
-      <p:sp>
-        <p:nvSpPr>
-          <p:cNvPr id="20" name="矩形 19">
-            <a:extLst>
-              <a:ext uri="{FF2B5EF4-FFF2-40B4-BE49-F238E27FC236}">
-                <a16:creationId xmlns:a16="http://schemas.microsoft.com/office/drawing/2014/main" id="{ED0F70B2-731C-4951-985E-2C1325AE9062}"/>
+              <a:t>文本</a:t>
+            </a:r>
+          </a:p>
+        </p:txBody>
+      </p:sp>
+      <p:sp>
+        <p:nvSpPr>
+          <p:cNvPr id="19" name="矩形 18">
+            <a:extLst>
+              <a:ext uri="{FF2B5EF4-FFF2-40B4-BE49-F238E27FC236}">
+                <a16:creationId xmlns:a16="http://schemas.microsoft.com/office/drawing/2014/main" id="{8CB22077-E5D6-4364-9EC6-49227B0517C2}"/>
               </a:ext>
             </a:extLst>
           </p:cNvPr>
@@ -5638,8 +6926,8 @@
         </p:nvSpPr>
         <p:spPr>
           <a:xfrm>
-            <a:off x="7832557" y="4110241"/>
-            <a:ext cx="1110991" cy="372980"/>
+            <a:off x="1405782" y="2821468"/>
+            <a:ext cx="1912848" cy="759629"/>
           </a:xfrm>
           <a:prstGeom prst="rect">
             <a:avLst/>
@@ -5666,6 +6954,61 @@
             <a:pPr algn="ctr"/>
             <a:r>
               <a:rPr lang="zh-CN" altLang="en-US" dirty="0"/>
+              <a:t>雨天，跑步，</a:t>
+            </a:r>
+            <a:endParaRPr lang="en-US" altLang="zh-CN" dirty="0"/>
+          </a:p>
+          <a:p>
+            <a:pPr algn="ctr"/>
+            <a:r>
+              <a:rPr lang="zh-CN" altLang="en-US" dirty="0"/>
+              <a:t>左手抬起</a:t>
+            </a:r>
+          </a:p>
+        </p:txBody>
+      </p:sp>
+      <p:sp>
+        <p:nvSpPr>
+          <p:cNvPr id="20" name="矩形 19">
+            <a:extLst>
+              <a:ext uri="{FF2B5EF4-FFF2-40B4-BE49-F238E27FC236}">
+                <a16:creationId xmlns:a16="http://schemas.microsoft.com/office/drawing/2014/main" id="{ED0F70B2-731C-4951-985E-2C1325AE9062}"/>
+              </a:ext>
+            </a:extLst>
+          </p:cNvPr>
+          <p:cNvSpPr/>
+          <p:nvPr/>
+        </p:nvSpPr>
+        <p:spPr>
+          <a:xfrm>
+            <a:off x="7832557" y="4110241"/>
+            <a:ext cx="1110991" cy="372980"/>
+          </a:xfrm>
+          <a:prstGeom prst="rect">
+            <a:avLst/>
+          </a:prstGeom>
+        </p:spPr>
+        <p:style>
+          <a:lnRef idx="2">
+            <a:schemeClr val="accent6"/>
+          </a:lnRef>
+          <a:fillRef idx="1">
+            <a:schemeClr val="lt1"/>
+          </a:fillRef>
+          <a:effectRef idx="0">
+            <a:schemeClr val="accent6"/>
+          </a:effectRef>
+          <a:fontRef idx="minor">
+            <a:schemeClr val="dk1"/>
+          </a:fontRef>
+        </p:style>
+        <p:txBody>
+          <a:bodyPr rtlCol="0" anchor="ctr"/>
+          <a:lstStyle/>
+          <a:p>
+            <a:pPr algn="ctr"/>
+            <a:r>
+              <a:rPr lang="zh-CN" altLang="en-US" dirty="0"/>
               <a:t>示意图</a:t>
             </a:r>
           </a:p>
@@ -5684,7 +7027,7 @@
 </p:sld>
 </file>
 
-<file path=ppt/slides/slide11.xml><?xml version="1.0" encoding="utf-8"?>
+<file path=ppt/slides/slide13.xml><?xml version="1.0" encoding="utf-8"?>
 <p:sld xmlns:a="http://schemas.openxmlformats.org/drawingml/2006/main" xmlns:r="http://schemas.openxmlformats.org/officeDocument/2006/relationships" xmlns:p="http://schemas.openxmlformats.org/presentationml/2006/main">
   <p:cSld>
     <p:spTree>
@@ -7413,10 +8756,10 @@
       </p:grpSpPr>
       <p:sp>
         <p:nvSpPr>
-          <p:cNvPr id="7" name="矩形 6">
-            <a:extLst>
-              <a:ext uri="{FF2B5EF4-FFF2-40B4-BE49-F238E27FC236}">
-                <a16:creationId xmlns:a16="http://schemas.microsoft.com/office/drawing/2014/main" id="{65208FF7-0089-468D-AD60-3F01003BF7E9}"/>
+          <p:cNvPr id="6" name="矩形 5">
+            <a:extLst>
+              <a:ext uri="{FF2B5EF4-FFF2-40B4-BE49-F238E27FC236}">
+                <a16:creationId xmlns:a16="http://schemas.microsoft.com/office/drawing/2014/main" id="{AA108721-6B29-47D2-8FF3-C274166AFFD2}"/>
               </a:ext>
             </a:extLst>
           </p:cNvPr>
@@ -7425,8 +8768,8 @@
         </p:nvSpPr>
         <p:spPr>
           <a:xfrm>
-            <a:off x="1275434" y="2562726"/>
-            <a:ext cx="1912848" cy="372980"/>
+            <a:off x="867510" y="1062885"/>
+            <a:ext cx="1912848" cy="369333"/>
           </a:xfrm>
           <a:prstGeom prst="rect">
             <a:avLst/>
@@ -7453,7 +8796,54 @@
             <a:pPr algn="ctr"/>
             <a:r>
               <a:rPr lang="zh-CN" altLang="en-US" dirty="0"/>
-              <a:t>文本</a:t>
+              <a:t>视频</a:t>
+            </a:r>
+          </a:p>
+        </p:txBody>
+      </p:sp>
+      <p:sp>
+        <p:nvSpPr>
+          <p:cNvPr id="7" name="矩形 6">
+            <a:extLst>
+              <a:ext uri="{FF2B5EF4-FFF2-40B4-BE49-F238E27FC236}">
+                <a16:creationId xmlns:a16="http://schemas.microsoft.com/office/drawing/2014/main" id="{65208FF7-0089-468D-AD60-3F01003BF7E9}"/>
+              </a:ext>
+            </a:extLst>
+          </p:cNvPr>
+          <p:cNvSpPr/>
+          <p:nvPr/>
+        </p:nvSpPr>
+        <p:spPr>
+          <a:xfrm>
+            <a:off x="3952095" y="2410013"/>
+            <a:ext cx="1912848" cy="372980"/>
+          </a:xfrm>
+          <a:prstGeom prst="rect">
+            <a:avLst/>
+          </a:prstGeom>
+        </p:spPr>
+        <p:style>
+          <a:lnRef idx="2">
+            <a:schemeClr val="accent6"/>
+          </a:lnRef>
+          <a:fillRef idx="1">
+            <a:schemeClr val="lt1"/>
+          </a:fillRef>
+          <a:effectRef idx="0">
+            <a:schemeClr val="accent6"/>
+          </a:effectRef>
+          <a:fontRef idx="minor">
+            <a:schemeClr val="dk1"/>
+          </a:fontRef>
+        </p:style>
+        <p:txBody>
+          <a:bodyPr rtlCol="0" anchor="ctr"/>
+          <a:lstStyle/>
+          <a:p>
+            <a:pPr algn="ctr"/>
+            <a:r>
+              <a:rPr lang="zh-CN" altLang="en-US" dirty="0"/>
+              <a:t>场景文本</a:t>
             </a:r>
           </a:p>
         </p:txBody>
@@ -7507,7 +8897,7 @@
         </p:nvSpPr>
         <p:spPr>
           <a:xfrm>
-            <a:off x="8660574" y="1171394"/>
+            <a:off x="10720194" y="1118128"/>
             <a:ext cx="646331" cy="369332"/>
           </a:xfrm>
           <a:prstGeom prst="rect">
@@ -7530,10 +8920,10 @@
       </p:sp>
       <p:sp>
         <p:nvSpPr>
-          <p:cNvPr id="11" name="右大括号 10">
-            <a:extLst>
-              <a:ext uri="{FF2B5EF4-FFF2-40B4-BE49-F238E27FC236}">
-                <a16:creationId xmlns:a16="http://schemas.microsoft.com/office/drawing/2014/main" id="{F050D5C5-6AC4-4D0B-9D98-D9BEAA3FBCAA}"/>
+          <p:cNvPr id="10" name="矩形 9">
+            <a:extLst>
+              <a:ext uri="{FF2B5EF4-FFF2-40B4-BE49-F238E27FC236}">
+                <a16:creationId xmlns:a16="http://schemas.microsoft.com/office/drawing/2014/main" id="{26A6415A-F8E8-4BD7-A39A-53AFD81D392F}"/>
               </a:ext>
             </a:extLst>
           </p:cNvPr>
@@ -7542,8 +8932,55 @@
         </p:nvSpPr>
         <p:spPr>
           <a:xfrm>
-            <a:off x="3477127" y="2562726"/>
-            <a:ext cx="445168" cy="1112922"/>
+            <a:off x="3952095" y="4183021"/>
+            <a:ext cx="1912848" cy="366096"/>
+          </a:xfrm>
+          <a:prstGeom prst="rect">
+            <a:avLst/>
+          </a:prstGeom>
+        </p:spPr>
+        <p:style>
+          <a:lnRef idx="2">
+            <a:schemeClr val="accent6"/>
+          </a:lnRef>
+          <a:fillRef idx="1">
+            <a:schemeClr val="lt1"/>
+          </a:fillRef>
+          <a:effectRef idx="0">
+            <a:schemeClr val="accent6"/>
+          </a:effectRef>
+          <a:fontRef idx="minor">
+            <a:schemeClr val="dk1"/>
+          </a:fontRef>
+        </p:style>
+        <p:txBody>
+          <a:bodyPr rtlCol="0" anchor="ctr"/>
+          <a:lstStyle/>
+          <a:p>
+            <a:pPr algn="ctr"/>
+            <a:r>
+              <a:rPr lang="zh-CN" altLang="en-US" dirty="0"/>
+              <a:t>原始动作序列</a:t>
+            </a:r>
+          </a:p>
+        </p:txBody>
+      </p:sp>
+      <p:sp>
+        <p:nvSpPr>
+          <p:cNvPr id="11" name="右大括号 10">
+            <a:extLst>
+              <a:ext uri="{FF2B5EF4-FFF2-40B4-BE49-F238E27FC236}">
+                <a16:creationId xmlns:a16="http://schemas.microsoft.com/office/drawing/2014/main" id="{F050D5C5-6AC4-4D0B-9D98-D9BEAA3FBCAA}"/>
+              </a:ext>
+            </a:extLst>
+          </p:cNvPr>
+          <p:cNvSpPr/>
+          <p:nvPr/>
+        </p:nvSpPr>
+        <p:spPr>
+          <a:xfrm>
+            <a:off x="6428511" y="1487460"/>
+            <a:ext cx="445169" cy="3056021"/>
           </a:xfrm>
           <a:prstGeom prst="rightBrace">
             <a:avLst/>
@@ -7586,7 +9023,7 @@
         </p:nvSpPr>
         <p:spPr>
           <a:xfrm>
-            <a:off x="4836695" y="1696453"/>
+            <a:off x="6896315" y="1643187"/>
             <a:ext cx="1913020" cy="866273"/>
           </a:xfrm>
           <a:prstGeom prst="ellipse">
@@ -7614,7 +9051,7 @@
             <a:pPr algn="ctr"/>
             <a:r>
               <a:rPr lang="zh-CN" altLang="en-US" dirty="0"/>
-              <a:t>场景信息：大风天气</a:t>
+              <a:t>场景信息：沙漠</a:t>
             </a:r>
           </a:p>
         </p:txBody>
@@ -7633,7 +9070,7 @@
         </p:nvSpPr>
         <p:spPr>
           <a:xfrm>
-            <a:off x="4836694" y="3182353"/>
+            <a:off x="6896314" y="3129087"/>
             <a:ext cx="1913021" cy="956510"/>
           </a:xfrm>
           <a:prstGeom prst="ellipse">
@@ -7669,7 +9106,7 @@
             <a:pPr algn="ctr"/>
             <a:r>
               <a:rPr lang="zh-CN" altLang="en-US" dirty="0"/>
-              <a:t>无</a:t>
+              <a:t>老人</a:t>
             </a:r>
           </a:p>
         </p:txBody>
@@ -7688,7 +9125,7 @@
         </p:nvSpPr>
         <p:spPr>
           <a:xfrm>
-            <a:off x="8269707" y="1642311"/>
+            <a:off x="10329327" y="1589045"/>
             <a:ext cx="1428066" cy="2586789"/>
           </a:xfrm>
           <a:prstGeom prst="roundRect">
@@ -7735,7 +9172,7 @@
         </p:nvCxnSpPr>
         <p:spPr>
           <a:xfrm>
-            <a:off x="6942221" y="2821405"/>
+            <a:off x="9001841" y="2768139"/>
             <a:ext cx="890336" cy="0"/>
           </a:xfrm>
           <a:prstGeom prst="straightConnector1">
@@ -7760,6 +9197,36 @@
           </a:fontRef>
         </p:style>
       </p:cxnSp>
+      <p:pic>
+        <p:nvPicPr>
+          <p:cNvPr id="3" name="图片 2">
+            <a:extLst>
+              <a:ext uri="{FF2B5EF4-FFF2-40B4-BE49-F238E27FC236}">
+                <a16:creationId xmlns:a16="http://schemas.microsoft.com/office/drawing/2014/main" id="{BBAB3FFD-8B25-463D-9E0D-88C3981361BC}"/>
+              </a:ext>
+            </a:extLst>
+          </p:cNvPr>
+          <p:cNvPicPr>
+            <a:picLocks noChangeAspect="1"/>
+          </p:cNvPicPr>
+          <p:nvPr/>
+        </p:nvPicPr>
+        <p:blipFill>
+          <a:blip r:embed="rId3"/>
+          <a:stretch>
+            <a:fillRect/>
+          </a:stretch>
+        </p:blipFill>
+        <p:spPr>
+          <a:xfrm>
+            <a:off x="867510" y="1394939"/>
+            <a:ext cx="1912848" cy="984083"/>
+          </a:xfrm>
+          <a:prstGeom prst="rect">
+            <a:avLst/>
+          </a:prstGeom>
+        </p:spPr>
+      </p:pic>
       <p:sp>
         <p:nvSpPr>
           <p:cNvPr id="15" name="矩形 14">
@@ -7774,7 +9241,7 @@
         </p:nvSpPr>
         <p:spPr>
           <a:xfrm>
-            <a:off x="1275434" y="2916018"/>
+            <a:off x="3952095" y="2763305"/>
             <a:ext cx="1912848" cy="759629"/>
           </a:xfrm>
           <a:prstGeom prst="rect">
@@ -7802,7 +9269,7 @@
             <a:pPr algn="ctr"/>
             <a:r>
               <a:rPr lang="zh-CN" altLang="en-US" dirty="0"/>
-              <a:t>大风中，行走</a:t>
+              <a:t>沙漠</a:t>
             </a:r>
           </a:p>
         </p:txBody>
@@ -7821,7 +9288,7 @@
         </p:nvSpPr>
         <p:spPr>
           <a:xfrm>
-            <a:off x="6058535" y="1479450"/>
+            <a:off x="8118155" y="1426184"/>
             <a:ext cx="912395" cy="567808"/>
           </a:xfrm>
           <a:prstGeom prst="lightningBolt">
@@ -7867,42 +9334,12 @@
           </a:p>
         </p:txBody>
       </p:sp>
-      <p:pic>
-        <p:nvPicPr>
-          <p:cNvPr id="19" name="图片 18">
-            <a:extLst>
-              <a:ext uri="{FF2B5EF4-FFF2-40B4-BE49-F238E27FC236}">
-                <a16:creationId xmlns:a16="http://schemas.microsoft.com/office/drawing/2014/main" id="{CDD85962-95CE-410F-AE6B-BCF5EE9ABD96}"/>
-              </a:ext>
-            </a:extLst>
-          </p:cNvPr>
-          <p:cNvPicPr>
-            <a:picLocks noChangeAspect="1"/>
-          </p:cNvPicPr>
-          <p:nvPr/>
-        </p:nvPicPr>
-        <p:blipFill>
-          <a:blip r:embed="rId3"/>
-          <a:stretch>
-            <a:fillRect/>
-          </a:stretch>
-        </p:blipFill>
-        <p:spPr>
-          <a:xfrm>
-            <a:off x="8715195" y="3429000"/>
-            <a:ext cx="1592239" cy="2110196"/>
-          </a:xfrm>
-          <a:prstGeom prst="rect">
-            <a:avLst/>
-          </a:prstGeom>
-        </p:spPr>
-      </p:pic>
       <p:sp>
         <p:nvSpPr>
           <p:cNvPr id="18" name="矩形 17">
             <a:extLst>
               <a:ext uri="{FF2B5EF4-FFF2-40B4-BE49-F238E27FC236}">
-                <a16:creationId xmlns:a16="http://schemas.microsoft.com/office/drawing/2014/main" id="{1A57AC10-F52C-44E0-8094-3E0C3DA1472F}"/>
+                <a16:creationId xmlns:a16="http://schemas.microsoft.com/office/drawing/2014/main" id="{AFD0179E-49F5-4BD8-8B57-ACBBFFE8A10F}"/>
               </a:ext>
             </a:extLst>
           </p:cNvPr>
@@ -7911,8 +9348,8 @@
         </p:nvSpPr>
         <p:spPr>
           <a:xfrm>
-            <a:off x="7832557" y="5166216"/>
-            <a:ext cx="1110991" cy="372980"/>
+            <a:off x="3952094" y="1382499"/>
+            <a:ext cx="1912847" cy="369333"/>
           </a:xfrm>
           <a:prstGeom prst="rect">
             <a:avLst/>
@@ -7939,45 +9376,50 @@
             <a:pPr algn="ctr"/>
             <a:r>
               <a:rPr lang="zh-CN" altLang="en-US" dirty="0"/>
-              <a:t>示意图</a:t>
-            </a:r>
-          </a:p>
-        </p:txBody>
-      </p:sp>
-      <p:pic>
-        <p:nvPicPr>
-          <p:cNvPr id="4" name="图片 3">
-            <a:extLst>
-              <a:ext uri="{FF2B5EF4-FFF2-40B4-BE49-F238E27FC236}">
-                <a16:creationId xmlns:a16="http://schemas.microsoft.com/office/drawing/2014/main" id="{A6AF23CC-F34E-4683-926E-7A46C0311186}"/>
-              </a:ext>
-            </a:extLst>
-          </p:cNvPr>
-          <p:cNvPicPr>
-            <a:picLocks noChangeAspect="1"/>
-          </p:cNvPicPr>
+              <a:t>风格动作序列</a:t>
+            </a:r>
+          </a:p>
+        </p:txBody>
+      </p:sp>
+      <p:sp>
+        <p:nvSpPr>
+          <p:cNvPr id="19" name="文本框 18">
+            <a:extLst>
+              <a:ext uri="{FF2B5EF4-FFF2-40B4-BE49-F238E27FC236}">
+                <a16:creationId xmlns:a16="http://schemas.microsoft.com/office/drawing/2014/main" id="{4A75EBBE-A509-4453-9311-35EEDEA38676}"/>
+              </a:ext>
+            </a:extLst>
+          </p:cNvPr>
+          <p:cNvSpPr txBox="1"/>
           <p:nvPr/>
-        </p:nvPicPr>
-        <p:blipFill>
-          <a:blip r:embed="rId4"/>
-          <a:stretch>
-            <a:fillRect/>
-          </a:stretch>
-        </p:blipFill>
-        <p:spPr>
-          <a:xfrm>
-            <a:off x="10143261" y="3550279"/>
-            <a:ext cx="1273389" cy="1867637"/>
+        </p:nvSpPr>
+        <p:spPr>
+          <a:xfrm>
+            <a:off x="2425823" y="5649328"/>
+            <a:ext cx="6094520" cy="369332"/>
           </a:xfrm>
           <a:prstGeom prst="rect">
             <a:avLst/>
           </a:prstGeom>
-        </p:spPr>
-      </p:pic>
+          <a:noFill/>
+        </p:spPr>
+        <p:txBody>
+          <a:bodyPr wrap="square">
+            <a:spAutoFit/>
+          </a:bodyPr>
+          <a:lstStyle/>
+          <a:p>
+            <a:r>
+              <a:rPr lang="zh-CN" altLang="en-US" dirty="0"/>
+              <a:t>原始动作序列 + 风格动作序列 + 场景</a:t>
+            </a:r>
+          </a:p>
+        </p:txBody>
+      </p:sp>
     </p:spTree>
     <p:extLst>
       <p:ext uri="{BB962C8B-B14F-4D97-AF65-F5344CB8AC3E}">
-        <p14:creationId xmlns:p14="http://schemas.microsoft.com/office/powerpoint/2010/main" val="2808865476"/>
+        <p14:creationId xmlns:p14="http://schemas.microsoft.com/office/powerpoint/2010/main" val="1955382436"/>
       </p:ext>
     </p:extLst>
   </p:cSld>
@@ -8006,6 +9448,100 @@
       </p:grpSpPr>
       <p:sp>
         <p:nvSpPr>
+          <p:cNvPr id="6" name="矩形 5">
+            <a:extLst>
+              <a:ext uri="{FF2B5EF4-FFF2-40B4-BE49-F238E27FC236}">
+                <a16:creationId xmlns:a16="http://schemas.microsoft.com/office/drawing/2014/main" id="{AA108721-6B29-47D2-8FF3-C274166AFFD2}"/>
+              </a:ext>
+            </a:extLst>
+          </p:cNvPr>
+          <p:cNvSpPr/>
+          <p:nvPr/>
+        </p:nvSpPr>
+        <p:spPr>
+          <a:xfrm>
+            <a:off x="649796" y="1208479"/>
+            <a:ext cx="1912848" cy="369333"/>
+          </a:xfrm>
+          <a:prstGeom prst="rect">
+            <a:avLst/>
+          </a:prstGeom>
+        </p:spPr>
+        <p:style>
+          <a:lnRef idx="2">
+            <a:schemeClr val="accent6"/>
+          </a:lnRef>
+          <a:fillRef idx="1">
+            <a:schemeClr val="lt1"/>
+          </a:fillRef>
+          <a:effectRef idx="0">
+            <a:schemeClr val="accent6"/>
+          </a:effectRef>
+          <a:fontRef idx="minor">
+            <a:schemeClr val="dk1"/>
+          </a:fontRef>
+        </p:style>
+        <p:txBody>
+          <a:bodyPr rtlCol="0" anchor="ctr"/>
+          <a:lstStyle/>
+          <a:p>
+            <a:pPr algn="ctr"/>
+            <a:r>
+              <a:rPr lang="zh-CN" altLang="en-US" dirty="0"/>
+              <a:t>视频</a:t>
+            </a:r>
+          </a:p>
+        </p:txBody>
+      </p:sp>
+      <p:sp>
+        <p:nvSpPr>
+          <p:cNvPr id="7" name="矩形 6">
+            <a:extLst>
+              <a:ext uri="{FF2B5EF4-FFF2-40B4-BE49-F238E27FC236}">
+                <a16:creationId xmlns:a16="http://schemas.microsoft.com/office/drawing/2014/main" id="{65208FF7-0089-468D-AD60-3F01003BF7E9}"/>
+              </a:ext>
+            </a:extLst>
+          </p:cNvPr>
+          <p:cNvSpPr/>
+          <p:nvPr/>
+        </p:nvSpPr>
+        <p:spPr>
+          <a:xfrm>
+            <a:off x="3952095" y="2410013"/>
+            <a:ext cx="1912848" cy="372980"/>
+          </a:xfrm>
+          <a:prstGeom prst="rect">
+            <a:avLst/>
+          </a:prstGeom>
+        </p:spPr>
+        <p:style>
+          <a:lnRef idx="2">
+            <a:schemeClr val="accent6"/>
+          </a:lnRef>
+          <a:fillRef idx="1">
+            <a:schemeClr val="lt1"/>
+          </a:fillRef>
+          <a:effectRef idx="0">
+            <a:schemeClr val="accent6"/>
+          </a:effectRef>
+          <a:fontRef idx="minor">
+            <a:schemeClr val="dk1"/>
+          </a:fontRef>
+        </p:style>
+        <p:txBody>
+          <a:bodyPr rtlCol="0" anchor="ctr"/>
+          <a:lstStyle/>
+          <a:p>
+            <a:pPr algn="ctr"/>
+            <a:r>
+              <a:rPr lang="zh-CN" altLang="en-US" dirty="0"/>
+              <a:t>场景文本</a:t>
+            </a:r>
+          </a:p>
+        </p:txBody>
+      </p:sp>
+      <p:sp>
+        <p:nvSpPr>
           <p:cNvPr id="8" name="文本框 7">
             <a:extLst>
               <a:ext uri="{FF2B5EF4-FFF2-40B4-BE49-F238E27FC236}">
@@ -8053,7 +9589,7 @@
         </p:nvSpPr>
         <p:spPr>
           <a:xfrm>
-            <a:off x="8660574" y="1171394"/>
+            <a:off x="10720194" y="1118128"/>
             <a:ext cx="646331" cy="369332"/>
           </a:xfrm>
           <a:prstGeom prst="rect">
@@ -8076,10 +9612,10 @@
       </p:sp>
       <p:sp>
         <p:nvSpPr>
-          <p:cNvPr id="11" name="右大括号 10">
-            <a:extLst>
-              <a:ext uri="{FF2B5EF4-FFF2-40B4-BE49-F238E27FC236}">
-                <a16:creationId xmlns:a16="http://schemas.microsoft.com/office/drawing/2014/main" id="{F050D5C5-6AC4-4D0B-9D98-D9BEAA3FBCAA}"/>
+          <p:cNvPr id="10" name="矩形 9">
+            <a:extLst>
+              <a:ext uri="{FF2B5EF4-FFF2-40B4-BE49-F238E27FC236}">
+                <a16:creationId xmlns:a16="http://schemas.microsoft.com/office/drawing/2014/main" id="{26A6415A-F8E8-4BD7-A39A-53AFD81D392F}"/>
               </a:ext>
             </a:extLst>
           </p:cNvPr>
@@ -8088,14 +9624,58 @@
         </p:nvSpPr>
         <p:spPr>
           <a:xfrm>
-            <a:off x="4035452" y="2429454"/>
-            <a:ext cx="445169" cy="2039352"/>
+            <a:off x="3952095" y="4183021"/>
+            <a:ext cx="1912848" cy="366096"/>
+          </a:xfrm>
+          <a:prstGeom prst="rect">
+            <a:avLst/>
+          </a:prstGeom>
+        </p:spPr>
+        <p:style>
+          <a:lnRef idx="2">
+            <a:schemeClr val="accent6"/>
+          </a:lnRef>
+          <a:fillRef idx="1">
+            <a:schemeClr val="lt1"/>
+          </a:fillRef>
+          <a:effectRef idx="0">
+            <a:schemeClr val="accent6"/>
+          </a:effectRef>
+          <a:fontRef idx="minor">
+            <a:schemeClr val="dk1"/>
+          </a:fontRef>
+        </p:style>
+        <p:txBody>
+          <a:bodyPr rtlCol="0" anchor="ctr"/>
+          <a:lstStyle/>
+          <a:p>
+            <a:pPr algn="ctr"/>
+            <a:r>
+              <a:rPr lang="zh-CN" altLang="en-US" dirty="0"/>
+              <a:t>原始动作序列</a:t>
+            </a:r>
+          </a:p>
+        </p:txBody>
+      </p:sp>
+      <p:sp>
+        <p:nvSpPr>
+          <p:cNvPr id="11" name="右大括号 10">
+            <a:extLst>
+              <a:ext uri="{FF2B5EF4-FFF2-40B4-BE49-F238E27FC236}">
+                <a16:creationId xmlns:a16="http://schemas.microsoft.com/office/drawing/2014/main" id="{F050D5C5-6AC4-4D0B-9D98-D9BEAA3FBCAA}"/>
+              </a:ext>
+            </a:extLst>
+          </p:cNvPr>
+          <p:cNvSpPr/>
+          <p:nvPr/>
+        </p:nvSpPr>
+        <p:spPr>
+          <a:xfrm>
+            <a:off x="6428511" y="1487460"/>
+            <a:ext cx="445169" cy="3056021"/>
           </a:xfrm>
           <a:prstGeom prst="rightBrace">
-            <a:avLst>
-              <a:gd name="adj1" fmla="val 48873"/>
-              <a:gd name="adj2" fmla="val 50000"/>
-            </a:avLst>
+            <a:avLst/>
           </a:prstGeom>
         </p:spPr>
         <p:style>
@@ -8135,7 +9715,7 @@
         </p:nvSpPr>
         <p:spPr>
           <a:xfrm>
-            <a:off x="4836695" y="1696453"/>
+            <a:off x="6896315" y="1643187"/>
             <a:ext cx="1913020" cy="866273"/>
           </a:xfrm>
           <a:prstGeom prst="ellipse">
@@ -8163,7 +9743,7 @@
             <a:pPr algn="ctr"/>
             <a:r>
               <a:rPr lang="zh-CN" altLang="en-US" dirty="0"/>
-              <a:t>场景信息：雨天</a:t>
+              <a:t>场景信息：沙漠</a:t>
             </a:r>
           </a:p>
         </p:txBody>
@@ -8182,7 +9762,7 @@
         </p:nvSpPr>
         <p:spPr>
           <a:xfrm>
-            <a:off x="4836694" y="3182353"/>
+            <a:off x="6896314" y="3129087"/>
             <a:ext cx="1913021" cy="956510"/>
           </a:xfrm>
           <a:prstGeom prst="ellipse">
@@ -8218,7 +9798,7 @@
             <a:pPr algn="ctr"/>
             <a:r>
               <a:rPr lang="zh-CN" altLang="en-US" dirty="0"/>
-              <a:t>小孩</a:t>
+              <a:t>老人</a:t>
             </a:r>
           </a:p>
         </p:txBody>
@@ -8237,7 +9817,7 @@
         </p:nvSpPr>
         <p:spPr>
           <a:xfrm>
-            <a:off x="8269707" y="1642311"/>
+            <a:off x="10329327" y="1589045"/>
             <a:ext cx="1428066" cy="2586789"/>
           </a:xfrm>
           <a:prstGeom prst="roundRect">
@@ -8265,7 +9845,7 @@
             <a:pPr algn="ctr"/>
             <a:r>
               <a:rPr lang="zh-CN" altLang="en-US" dirty="0"/>
-              <a:t>最终动作</a:t>
+              <a:t>最终动作序列</a:t>
             </a:r>
           </a:p>
         </p:txBody>
@@ -8284,7 +9864,7 @@
         </p:nvCxnSpPr>
         <p:spPr>
           <a:xfrm>
-            <a:off x="6942221" y="2821405"/>
+            <a:off x="9001841" y="2768139"/>
             <a:ext cx="890336" cy="0"/>
           </a:xfrm>
           <a:prstGeom prst="straightConnector1">
@@ -8309,12 +9889,42 @@
           </a:fontRef>
         </p:style>
       </p:cxnSp>
-      <p:sp>
-        <p:nvSpPr>
-          <p:cNvPr id="17" name="闪电形 16">
-            <a:extLst>
-              <a:ext uri="{FF2B5EF4-FFF2-40B4-BE49-F238E27FC236}">
-                <a16:creationId xmlns:a16="http://schemas.microsoft.com/office/drawing/2014/main" id="{07EFBCC8-9250-4ED5-90EA-8F1A95B6EBBC}"/>
+      <p:pic>
+        <p:nvPicPr>
+          <p:cNvPr id="3" name="图片 2">
+            <a:extLst>
+              <a:ext uri="{FF2B5EF4-FFF2-40B4-BE49-F238E27FC236}">
+                <a16:creationId xmlns:a16="http://schemas.microsoft.com/office/drawing/2014/main" id="{BBAB3FFD-8B25-463D-9E0D-88C3981361BC}"/>
+              </a:ext>
+            </a:extLst>
+          </p:cNvPr>
+          <p:cNvPicPr>
+            <a:picLocks noChangeAspect="1"/>
+          </p:cNvPicPr>
+          <p:nvPr/>
+        </p:nvPicPr>
+        <p:blipFill>
+          <a:blip r:embed="rId3"/>
+          <a:stretch>
+            <a:fillRect/>
+          </a:stretch>
+        </p:blipFill>
+        <p:spPr>
+          <a:xfrm>
+            <a:off x="649796" y="1540533"/>
+            <a:ext cx="1912846" cy="984083"/>
+          </a:xfrm>
+          <a:prstGeom prst="rect">
+            <a:avLst/>
+          </a:prstGeom>
+        </p:spPr>
+      </p:pic>
+      <p:sp>
+        <p:nvSpPr>
+          <p:cNvPr id="15" name="矩形 14">
+            <a:extLst>
+              <a:ext uri="{FF2B5EF4-FFF2-40B4-BE49-F238E27FC236}">
+                <a16:creationId xmlns:a16="http://schemas.microsoft.com/office/drawing/2014/main" id="{2D35DFE5-6AD5-476C-B087-B3DB4B68C3D3}"/>
               </a:ext>
             </a:extLst>
           </p:cNvPr>
@@ -8323,7 +9933,54 @@
         </p:nvSpPr>
         <p:spPr>
           <a:xfrm>
-            <a:off x="6058535" y="1479450"/>
+            <a:off x="3952095" y="2763305"/>
+            <a:ext cx="1912848" cy="759629"/>
+          </a:xfrm>
+          <a:prstGeom prst="rect">
+            <a:avLst/>
+          </a:prstGeom>
+        </p:spPr>
+        <p:style>
+          <a:lnRef idx="2">
+            <a:schemeClr val="accent6"/>
+          </a:lnRef>
+          <a:fillRef idx="1">
+            <a:schemeClr val="lt1"/>
+          </a:fillRef>
+          <a:effectRef idx="0">
+            <a:schemeClr val="accent6"/>
+          </a:effectRef>
+          <a:fontRef idx="minor">
+            <a:schemeClr val="dk1"/>
+          </a:fontRef>
+        </p:style>
+        <p:txBody>
+          <a:bodyPr rtlCol="0" anchor="ctr"/>
+          <a:lstStyle/>
+          <a:p>
+            <a:pPr algn="ctr"/>
+            <a:r>
+              <a:rPr lang="zh-CN" altLang="en-US" dirty="0"/>
+              <a:t>沙漠</a:t>
+            </a:r>
+          </a:p>
+        </p:txBody>
+      </p:sp>
+      <p:sp>
+        <p:nvSpPr>
+          <p:cNvPr id="17" name="闪电形 16">
+            <a:extLst>
+              <a:ext uri="{FF2B5EF4-FFF2-40B4-BE49-F238E27FC236}">
+                <a16:creationId xmlns:a16="http://schemas.microsoft.com/office/drawing/2014/main" id="{07EFBCC8-9250-4ED5-90EA-8F1A95B6EBBC}"/>
+              </a:ext>
+            </a:extLst>
+          </p:cNvPr>
+          <p:cNvSpPr/>
+          <p:nvPr/>
+        </p:nvSpPr>
+        <p:spPr>
+          <a:xfrm>
+            <a:off x="8118155" y="1426184"/>
             <a:ext cx="912395" cy="567808"/>
           </a:xfrm>
           <a:prstGeom prst="lightningBolt">
@@ -8369,72 +10026,12 @@
           </a:p>
         </p:txBody>
       </p:sp>
-      <p:pic>
-        <p:nvPicPr>
-          <p:cNvPr id="4" name="图片 3">
-            <a:extLst>
-              <a:ext uri="{FF2B5EF4-FFF2-40B4-BE49-F238E27FC236}">
-                <a16:creationId xmlns:a16="http://schemas.microsoft.com/office/drawing/2014/main" id="{125DBC22-202B-43B7-95B7-37193FC8539B}"/>
-              </a:ext>
-            </a:extLst>
-          </p:cNvPr>
-          <p:cNvPicPr>
-            <a:picLocks noChangeAspect="1"/>
-          </p:cNvPicPr>
-          <p:nvPr/>
-        </p:nvPicPr>
-        <p:blipFill>
-          <a:blip r:embed="rId3"/>
-          <a:stretch>
-            <a:fillRect/>
-          </a:stretch>
-        </p:blipFill>
-        <p:spPr>
-          <a:xfrm>
-            <a:off x="534224" y="2705034"/>
-            <a:ext cx="1784808" cy="1488192"/>
-          </a:xfrm>
-          <a:prstGeom prst="rect">
-            <a:avLst/>
-          </a:prstGeom>
-        </p:spPr>
-      </p:pic>
-      <p:pic>
-        <p:nvPicPr>
-          <p:cNvPr id="21" name="图片 20">
-            <a:extLst>
-              <a:ext uri="{FF2B5EF4-FFF2-40B4-BE49-F238E27FC236}">
-                <a16:creationId xmlns:a16="http://schemas.microsoft.com/office/drawing/2014/main" id="{205CFD91-BBDB-4560-B1D4-DFA73C823D69}"/>
-              </a:ext>
-            </a:extLst>
-          </p:cNvPr>
-          <p:cNvPicPr>
-            <a:picLocks noChangeAspect="1"/>
-          </p:cNvPicPr>
-          <p:nvPr/>
-        </p:nvPicPr>
-        <p:blipFill>
-          <a:blip r:embed="rId4"/>
-          <a:stretch>
-            <a:fillRect/>
-          </a:stretch>
-        </p:blipFill>
-        <p:spPr>
-          <a:xfrm>
-            <a:off x="2091545" y="3182353"/>
-            <a:ext cx="1587833" cy="1514939"/>
-          </a:xfrm>
-          <a:prstGeom prst="rect">
-            <a:avLst/>
-          </a:prstGeom>
-        </p:spPr>
-      </p:pic>
-      <p:sp>
-        <p:nvSpPr>
-          <p:cNvPr id="22" name="矩形 21">
-            <a:extLst>
-              <a:ext uri="{FF2B5EF4-FFF2-40B4-BE49-F238E27FC236}">
-                <a16:creationId xmlns:a16="http://schemas.microsoft.com/office/drawing/2014/main" id="{04F88E66-F3C7-4C0B-B8FB-889E17857AD2}"/>
+      <p:sp>
+        <p:nvSpPr>
+          <p:cNvPr id="18" name="矩形 17">
+            <a:extLst>
+              <a:ext uri="{FF2B5EF4-FFF2-40B4-BE49-F238E27FC236}">
+                <a16:creationId xmlns:a16="http://schemas.microsoft.com/office/drawing/2014/main" id="{AFD0179E-49F5-4BD8-8B57-ACBBFFE8A10F}"/>
               </a:ext>
             </a:extLst>
           </p:cNvPr>
@@ -8443,8 +10040,8 @@
         </p:nvSpPr>
         <p:spPr>
           <a:xfrm>
-            <a:off x="1362608" y="2193393"/>
-            <a:ext cx="1912848" cy="369333"/>
+            <a:off x="3952094" y="1382499"/>
+            <a:ext cx="1912847" cy="369333"/>
           </a:xfrm>
           <a:prstGeom prst="rect">
             <a:avLst/>
@@ -8471,85 +10068,42 @@
             <a:pPr algn="ctr"/>
             <a:r>
               <a:rPr lang="zh-CN" altLang="en-US" dirty="0"/>
-              <a:t>视频</a:t>
-            </a:r>
-          </a:p>
-        </p:txBody>
-      </p:sp>
-      <p:sp>
-        <p:nvSpPr>
-          <p:cNvPr id="24" name="矩形 23">
-            <a:extLst>
-              <a:ext uri="{FF2B5EF4-FFF2-40B4-BE49-F238E27FC236}">
-                <a16:creationId xmlns:a16="http://schemas.microsoft.com/office/drawing/2014/main" id="{6AC88C81-A8FA-41AE-88B1-5430648A16C4}"/>
-              </a:ext>
-            </a:extLst>
-          </p:cNvPr>
-          <p:cNvSpPr/>
+              <a:t>风格动作序列</a:t>
+            </a:r>
+          </a:p>
+        </p:txBody>
+      </p:sp>
+      <p:sp>
+        <p:nvSpPr>
+          <p:cNvPr id="19" name="文本框 18">
+            <a:extLst>
+              <a:ext uri="{FF2B5EF4-FFF2-40B4-BE49-F238E27FC236}">
+                <a16:creationId xmlns:a16="http://schemas.microsoft.com/office/drawing/2014/main" id="{4A75EBBE-A509-4453-9311-35EEDEA38676}"/>
+              </a:ext>
+            </a:extLst>
+          </p:cNvPr>
+          <p:cNvSpPr txBox="1"/>
           <p:nvPr/>
         </p:nvSpPr>
         <p:spPr>
           <a:xfrm>
-            <a:off x="1873499" y="5136559"/>
-            <a:ext cx="8746958" cy="1519759"/>
+            <a:off x="2425823" y="5649328"/>
+            <a:ext cx="6094520" cy="369332"/>
           </a:xfrm>
           <a:prstGeom prst="rect">
             <a:avLst/>
           </a:prstGeom>
-        </p:spPr>
-        <p:style>
-          <a:lnRef idx="2">
-            <a:schemeClr val="accent5"/>
-          </a:lnRef>
-          <a:fillRef idx="1">
-            <a:schemeClr val="lt1"/>
-          </a:fillRef>
-          <a:effectRef idx="0">
-            <a:schemeClr val="accent5"/>
-          </a:effectRef>
-          <a:fontRef idx="minor">
-            <a:schemeClr val="dk1"/>
-          </a:fontRef>
-        </p:style>
-        <p:txBody>
-          <a:bodyPr rtlCol="0" anchor="ctr"/>
-          <a:lstStyle/>
-          <a:p>
-            <a:pPr algn="ctr"/>
+          <a:noFill/>
+        </p:spPr>
+        <p:txBody>
+          <a:bodyPr wrap="square">
+            <a:spAutoFit/>
+          </a:bodyPr>
+          <a:lstStyle/>
+          <a:p>
             <a:r>
               <a:rPr lang="zh-CN" altLang="en-US" dirty="0"/>
-              <a:t>通过场景编码器学习到例如</a:t>
-            </a:r>
-            <a:r>
-              <a:rPr lang="en-US" altLang="zh-CN" dirty="0"/>
-              <a:t>:</a:t>
-            </a:r>
-          </a:p>
-          <a:p>
-            <a:pPr algn="ctr"/>
-            <a:r>
-              <a:rPr lang="zh-CN" altLang="en-US" dirty="0"/>
-              <a:t>雨天易打滑，</a:t>
-            </a:r>
-            <a:endParaRPr lang="en-US" altLang="zh-CN" dirty="0"/>
-          </a:p>
-          <a:p>
-            <a:pPr algn="ctr"/>
-            <a:r>
-              <a:rPr lang="zh-CN" altLang="en-US" dirty="0"/>
-              <a:t>沙漠中一步一顿行走艰难，</a:t>
-            </a:r>
-            <a:endParaRPr lang="en-US" altLang="zh-CN" dirty="0"/>
-          </a:p>
-          <a:p>
-            <a:pPr algn="ctr"/>
-            <a:r>
-              <a:rPr lang="zh-CN" altLang="en-US" dirty="0"/>
-              <a:t>大风天气会有捂住头，行走艰难的情况</a:t>
-            </a:r>
-            <a:r>
-              <a:rPr lang="en-US" altLang="zh-CN" dirty="0"/>
-              <a:t>.</a:t>
+              <a:t>原始动作序列 + 风格动作序列 + 场景</a:t>
             </a:r>
           </a:p>
         </p:txBody>
@@ -8557,7 +10111,7 @@
     </p:spTree>
     <p:extLst>
       <p:ext uri="{BB962C8B-B14F-4D97-AF65-F5344CB8AC3E}">
-        <p14:creationId xmlns:p14="http://schemas.microsoft.com/office/powerpoint/2010/main" val="2469816748"/>
+        <p14:creationId xmlns:p14="http://schemas.microsoft.com/office/powerpoint/2010/main" val="2869685580"/>
       </p:ext>
     </p:extLst>
   </p:cSld>

--- a/AI/动作生成/创新点探究/动作生成Motivation - 522.pptx
+++ b/AI/动作生成/创新点探究/动作生成Motivation - 522.pptx
@@ -10088,7 +10088,63 @@
         <p:spPr>
           <a:xfrm>
             <a:off x="2425823" y="5649328"/>
-            <a:ext cx="6094520" cy="369332"/>
+            <a:ext cx="6094520" cy="646331"/>
+          </a:xfrm>
+          <a:prstGeom prst="rect">
+            <a:avLst/>
+          </a:prstGeom>
+          <a:noFill/>
+        </p:spPr>
+        <p:txBody>
+          <a:bodyPr wrap="square">
+            <a:spAutoFit/>
+          </a:bodyPr>
+          <a:lstStyle/>
+          <a:p>
+            <a:r>
+              <a:rPr lang="zh-CN" altLang="en-US" dirty="0"/>
+              <a:t>原始动作序列 + 风格动作序列 </a:t>
+            </a:r>
+            <a:r>
+              <a:rPr lang="en-US" altLang="zh-CN" dirty="0"/>
+              <a:t>-&gt;</a:t>
+            </a:r>
+            <a:r>
+              <a:rPr lang="zh-CN" altLang="en-US" dirty="0"/>
+              <a:t>最终动作序列</a:t>
+            </a:r>
+            <a:r>
+              <a:rPr lang="en-US" altLang="zh-CN" dirty="0"/>
+              <a:t>(</a:t>
+            </a:r>
+            <a:r>
+              <a:rPr lang="zh-CN" altLang="en-US" dirty="0"/>
+              <a:t>动作风格迁移</a:t>
+            </a:r>
+            <a:r>
+              <a:rPr lang="en-US" altLang="zh-CN" dirty="0"/>
+              <a:t>)</a:t>
+            </a:r>
+            <a:endParaRPr lang="zh-CN" altLang="en-US" dirty="0"/>
+          </a:p>
+        </p:txBody>
+      </p:sp>
+      <p:sp>
+        <p:nvSpPr>
+          <p:cNvPr id="20" name="文本框 19">
+            <a:extLst>
+              <a:ext uri="{FF2B5EF4-FFF2-40B4-BE49-F238E27FC236}">
+                <a16:creationId xmlns:a16="http://schemas.microsoft.com/office/drawing/2014/main" id="{4440BF8F-257E-4812-8D19-358D9CCEAD98}"/>
+              </a:ext>
+            </a:extLst>
+          </p:cNvPr>
+          <p:cNvSpPr txBox="1"/>
+          <p:nvPr/>
+        </p:nvSpPr>
+        <p:spPr>
+          <a:xfrm>
+            <a:off x="2424343" y="6278314"/>
+            <a:ext cx="6096000" cy="369332"/>
           </a:xfrm>
           <a:prstGeom prst="rect">
             <a:avLst/>

--- a/AI/动作生成/创新点探究/动作生成Motivation - 522.pptx
+++ b/AI/动作生成/创新点探究/动作生成Motivation - 522.pptx
@@ -209,7 +209,7 @@
           <a:p>
             <a:fld id="{AAAB1494-03FF-40F9-B053-488FEE4C592E}" type="datetimeFigureOut">
               <a:rPr lang="zh-CN" altLang="en-US" smtClean="0"/>
-              <a:t>2025/5/26</a:t>
+              <a:t>2025/5/30</a:t>
             </a:fld>
             <a:endParaRPr lang="zh-CN" altLang="en-US"/>
           </a:p>
@@ -1049,7 +1049,7 @@
           <a:p>
             <a:fld id="{141F205C-E85D-4B8F-9304-59A1D411154E}" type="datetimeFigureOut">
               <a:rPr lang="zh-CN" altLang="en-US" smtClean="0"/>
-              <a:t>2025/5/26</a:t>
+              <a:t>2025/5/30</a:t>
             </a:fld>
             <a:endParaRPr lang="zh-CN" altLang="en-US"/>
           </a:p>
@@ -1247,7 +1247,7 @@
           <a:p>
             <a:fld id="{141F205C-E85D-4B8F-9304-59A1D411154E}" type="datetimeFigureOut">
               <a:rPr lang="zh-CN" altLang="en-US" smtClean="0"/>
-              <a:t>2025/5/26</a:t>
+              <a:t>2025/5/30</a:t>
             </a:fld>
             <a:endParaRPr lang="zh-CN" altLang="en-US"/>
           </a:p>
@@ -1455,7 +1455,7 @@
           <a:p>
             <a:fld id="{141F205C-E85D-4B8F-9304-59A1D411154E}" type="datetimeFigureOut">
               <a:rPr lang="zh-CN" altLang="en-US" smtClean="0"/>
-              <a:t>2025/5/26</a:t>
+              <a:t>2025/5/30</a:t>
             </a:fld>
             <a:endParaRPr lang="zh-CN" altLang="en-US"/>
           </a:p>
@@ -1653,7 +1653,7 @@
           <a:p>
             <a:fld id="{141F205C-E85D-4B8F-9304-59A1D411154E}" type="datetimeFigureOut">
               <a:rPr lang="zh-CN" altLang="en-US" smtClean="0"/>
-              <a:t>2025/5/26</a:t>
+              <a:t>2025/5/30</a:t>
             </a:fld>
             <a:endParaRPr lang="zh-CN" altLang="en-US"/>
           </a:p>
@@ -1928,7 +1928,7 @@
           <a:p>
             <a:fld id="{141F205C-E85D-4B8F-9304-59A1D411154E}" type="datetimeFigureOut">
               <a:rPr lang="zh-CN" altLang="en-US" smtClean="0"/>
-              <a:t>2025/5/26</a:t>
+              <a:t>2025/5/30</a:t>
             </a:fld>
             <a:endParaRPr lang="zh-CN" altLang="en-US"/>
           </a:p>
@@ -2193,7 +2193,7 @@
           <a:p>
             <a:fld id="{141F205C-E85D-4B8F-9304-59A1D411154E}" type="datetimeFigureOut">
               <a:rPr lang="zh-CN" altLang="en-US" smtClean="0"/>
-              <a:t>2025/5/26</a:t>
+              <a:t>2025/5/30</a:t>
             </a:fld>
             <a:endParaRPr lang="zh-CN" altLang="en-US"/>
           </a:p>
@@ -2605,7 +2605,7 @@
           <a:p>
             <a:fld id="{141F205C-E85D-4B8F-9304-59A1D411154E}" type="datetimeFigureOut">
               <a:rPr lang="zh-CN" altLang="en-US" smtClean="0"/>
-              <a:t>2025/5/26</a:t>
+              <a:t>2025/5/30</a:t>
             </a:fld>
             <a:endParaRPr lang="zh-CN" altLang="en-US"/>
           </a:p>
@@ -2746,7 +2746,7 @@
           <a:p>
             <a:fld id="{141F205C-E85D-4B8F-9304-59A1D411154E}" type="datetimeFigureOut">
               <a:rPr lang="zh-CN" altLang="en-US" smtClean="0"/>
-              <a:t>2025/5/26</a:t>
+              <a:t>2025/5/30</a:t>
             </a:fld>
             <a:endParaRPr lang="zh-CN" altLang="en-US"/>
           </a:p>
@@ -2859,7 +2859,7 @@
           <a:p>
             <a:fld id="{141F205C-E85D-4B8F-9304-59A1D411154E}" type="datetimeFigureOut">
               <a:rPr lang="zh-CN" altLang="en-US" smtClean="0"/>
-              <a:t>2025/5/26</a:t>
+              <a:t>2025/5/30</a:t>
             </a:fld>
             <a:endParaRPr lang="zh-CN" altLang="en-US"/>
           </a:p>
@@ -3170,7 +3170,7 @@
           <a:p>
             <a:fld id="{141F205C-E85D-4B8F-9304-59A1D411154E}" type="datetimeFigureOut">
               <a:rPr lang="zh-CN" altLang="en-US" smtClean="0"/>
-              <a:t>2025/5/26</a:t>
+              <a:t>2025/5/30</a:t>
             </a:fld>
             <a:endParaRPr lang="zh-CN" altLang="en-US"/>
           </a:p>
@@ -3458,7 +3458,7 @@
           <a:p>
             <a:fld id="{141F205C-E85D-4B8F-9304-59A1D411154E}" type="datetimeFigureOut">
               <a:rPr lang="zh-CN" altLang="en-US" smtClean="0"/>
-              <a:t>2025/5/26</a:t>
+              <a:t>2025/5/30</a:t>
             </a:fld>
             <a:endParaRPr lang="zh-CN" altLang="en-US"/>
           </a:p>
@@ -3699,7 +3699,7 @@
           <a:p>
             <a:fld id="{141F205C-E85D-4B8F-9304-59A1D411154E}" type="datetimeFigureOut">
               <a:rPr lang="zh-CN" altLang="en-US" smtClean="0"/>
-              <a:t>2025/5/26</a:t>
+              <a:t>2025/5/30</a:t>
             </a:fld>
             <a:endParaRPr lang="zh-CN" altLang="en-US"/>
           </a:p>
